--- a/presentation/presentation web.pptx
+++ b/presentation/presentation web.pptx
@@ -5,31 +5,30 @@
     <p:sldMasterId id="2147483649" r:id="rId1"/>
   </p:sldMasterIdLst>
   <p:notesMasterIdLst>
-    <p:notesMasterId r:id="rId21"/>
+    <p:notesMasterId r:id="rId20"/>
   </p:notesMasterIdLst>
   <p:handoutMasterIdLst>
-    <p:handoutMasterId r:id="rId22"/>
+    <p:handoutMasterId r:id="rId21"/>
   </p:handoutMasterIdLst>
   <p:sldIdLst>
     <p:sldId id="377" r:id="rId2"/>
     <p:sldId id="456" r:id="rId3"/>
     <p:sldId id="466" r:id="rId4"/>
-    <p:sldId id="458" r:id="rId5"/>
-    <p:sldId id="459" r:id="rId6"/>
-    <p:sldId id="460" r:id="rId7"/>
-    <p:sldId id="461" r:id="rId8"/>
-    <p:sldId id="462" r:id="rId9"/>
-    <p:sldId id="463" r:id="rId10"/>
-    <p:sldId id="464" r:id="rId11"/>
-    <p:sldId id="465" r:id="rId12"/>
-    <p:sldId id="467" r:id="rId13"/>
-    <p:sldId id="457" r:id="rId14"/>
-    <p:sldId id="468" r:id="rId15"/>
-    <p:sldId id="469" r:id="rId16"/>
-    <p:sldId id="470" r:id="rId17"/>
-    <p:sldId id="471" r:id="rId18"/>
-    <p:sldId id="472" r:id="rId19"/>
-    <p:sldId id="473" r:id="rId20"/>
+    <p:sldId id="474" r:id="rId5"/>
+    <p:sldId id="458" r:id="rId6"/>
+    <p:sldId id="459" r:id="rId7"/>
+    <p:sldId id="460" r:id="rId8"/>
+    <p:sldId id="476" r:id="rId9"/>
+    <p:sldId id="475" r:id="rId10"/>
+    <p:sldId id="462" r:id="rId11"/>
+    <p:sldId id="464" r:id="rId12"/>
+    <p:sldId id="457" r:id="rId13"/>
+    <p:sldId id="468" r:id="rId14"/>
+    <p:sldId id="469" r:id="rId15"/>
+    <p:sldId id="470" r:id="rId16"/>
+    <p:sldId id="471" r:id="rId17"/>
+    <p:sldId id="472" r:id="rId18"/>
+    <p:sldId id="473" r:id="rId19"/>
   </p:sldIdLst>
   <p:sldSz cx="9144000" cy="6858000" type="screen4x3"/>
   <p:notesSz cx="7315200" cy="9601200"/>
@@ -1166,7 +1165,7 @@
               <a:pPr>
                 <a:defRPr/>
               </a:pPr>
-              <a:t>13</a:t>
+              <a:t>12</a:t>
             </a:fld>
             <a:endParaRPr lang="en-US"/>
           </a:p>
@@ -4442,7 +4441,7 @@
             </a:br>
             <a:r>
               <a:rPr lang="en-US" dirty="0" smtClean="0"/>
-              <a:t>Value predicates</a:t>
+              <a:t>Wildcards</a:t>
             </a:r>
             <a:endParaRPr lang="en-US" dirty="0"/>
           </a:p>
@@ -4458,15 +4457,369 @@
             <p:ph idx="1"/>
           </p:nvPr>
         </p:nvSpPr>
-        <p:spPr/>
+        <p:spPr>
+          <a:xfrm>
+            <a:off x="925513" y="1828800"/>
+            <a:ext cx="7138987" cy="1632857"/>
+          </a:xfrm>
+        </p:spPr>
         <p:txBody>
           <a:bodyPr/>
           <a:lstStyle/>
           <a:p>
+            <a:r>
+              <a:rPr lang="en-US" dirty="0" smtClean="0"/>
+              <a:t>Create a Match for every opening tag encountered</a:t>
+            </a:r>
+          </a:p>
+          <a:p>
+            <a:endParaRPr lang="en-US" dirty="0" smtClean="0"/>
+          </a:p>
+          <a:p>
+            <a:r>
+              <a:rPr lang="en-US" dirty="0" smtClean="0"/>
+              <a:t>Checks are done only on descendants</a:t>
+            </a:r>
             <a:endParaRPr lang="en-US" dirty="0"/>
           </a:p>
         </p:txBody>
       </p:sp>
+      <p:pic>
+        <p:nvPicPr>
+          <p:cNvPr id="4" name="Picture 3" descr="wildcard.png"/>
+          <p:cNvPicPr>
+            <a:picLocks noChangeAspect="1"/>
+          </p:cNvPicPr>
+          <p:nvPr/>
+        </p:nvPicPr>
+        <p:blipFill>
+          <a:blip r:embed="rId2"/>
+          <a:srcRect l="40593" r="20343" b="56320"/>
+          <a:stretch>
+            <a:fillRect/>
+          </a:stretch>
+        </p:blipFill>
+        <p:spPr>
+          <a:xfrm>
+            <a:off x="1665582" y="3086105"/>
+            <a:ext cx="5698671" cy="270650"/>
+          </a:xfrm>
+          <a:prstGeom prst="rect">
+            <a:avLst/>
+          </a:prstGeom>
+        </p:spPr>
+      </p:pic>
+      <p:sp>
+        <p:nvSpPr>
+          <p:cNvPr id="5" name="Title 1"/>
+          <p:cNvSpPr txBox="1">
+            <a:spLocks/>
+          </p:cNvSpPr>
+          <p:nvPr/>
+        </p:nvSpPr>
+        <p:spPr bwMode="auto">
+          <a:xfrm>
+            <a:off x="972002" y="3184070"/>
+            <a:ext cx="7159625" cy="988854"/>
+          </a:xfrm>
+          <a:prstGeom prst="rect">
+            <a:avLst/>
+          </a:prstGeom>
+          <a:noFill/>
+          <a:ln w="9525">
+            <a:noFill/>
+            <a:miter lim="800000"/>
+            <a:headEnd/>
+            <a:tailEnd/>
+          </a:ln>
+        </p:spPr>
+        <p:txBody>
+          <a:bodyPr vert="horz" wrap="square" lIns="0" tIns="0" rIns="0" bIns="0" numCol="1" anchor="t" anchorCtr="0" compatLnSpc="1">
+            <a:prstTxWarp prst="textNoShape">
+              <a:avLst/>
+            </a:prstTxWarp>
+          </a:bodyPr>
+          <a:lstStyle/>
+          <a:p>
+            <a:pPr marL="857250" marR="0" lvl="0" indent="-857250" algn="l" defTabSz="914400" rtl="0" eaLnBrk="0" fontAlgn="base" latinLnBrk="0" hangingPunct="0">
+              <a:lnSpc>
+                <a:spcPct val="100000"/>
+              </a:lnSpc>
+              <a:spcBef>
+                <a:spcPct val="0"/>
+              </a:spcBef>
+              <a:spcAft>
+                <a:spcPct val="0"/>
+              </a:spcAft>
+              <a:buClrTx/>
+              <a:buSzTx/>
+              <a:buFontTx/>
+              <a:buNone/>
+              <a:tabLst/>
+              <a:defRPr/>
+            </a:pPr>
+            <a:r>
+              <a:rPr kumimoji="0" lang="en-US" sz="3300" b="0" i="0" u="none" strike="noStrike" kern="0" cap="none" spc="0" normalizeH="0" baseline="0" noProof="0" dirty="0" smtClean="0">
+                <a:ln>
+                  <a:noFill/>
+                </a:ln>
+                <a:solidFill>
+                  <a:schemeClr val="tx1"/>
+                </a:solidFill>
+                <a:effectLst/>
+                <a:uLnTx/>
+                <a:uFillTx/>
+                <a:latin typeface="+mj-lt"/>
+                <a:ea typeface="ＭＳ Ｐゴシック" charset="-128"/>
+                <a:cs typeface="ＭＳ Ｐゴシック" charset="-128"/>
+              </a:rPr>
+              <a:t/>
+            </a:r>
+            <a:br>
+              <a:rPr kumimoji="0" lang="en-US" sz="3300" b="0" i="0" u="none" strike="noStrike" kern="0" cap="none" spc="0" normalizeH="0" baseline="0" noProof="0" dirty="0" smtClean="0">
+                <a:ln>
+                  <a:noFill/>
+                </a:ln>
+                <a:solidFill>
+                  <a:schemeClr val="tx1"/>
+                </a:solidFill>
+                <a:effectLst/>
+                <a:uLnTx/>
+                <a:uFillTx/>
+                <a:latin typeface="+mj-lt"/>
+                <a:ea typeface="ＭＳ Ｐゴシック" charset="-128"/>
+                <a:cs typeface="ＭＳ Ｐゴシック" charset="-128"/>
+              </a:rPr>
+            </a:br>
+            <a:r>
+              <a:rPr kumimoji="0" lang="en-US" sz="3300" b="0" i="0" u="none" strike="noStrike" kern="0" cap="none" spc="0" normalizeH="0" baseline="0" noProof="0" dirty="0" smtClean="0">
+                <a:ln>
+                  <a:noFill/>
+                </a:ln>
+                <a:solidFill>
+                  <a:schemeClr val="tx1"/>
+                </a:solidFill>
+                <a:effectLst/>
+                <a:uLnTx/>
+                <a:uFillTx/>
+                <a:latin typeface="+mj-lt"/>
+                <a:ea typeface="ＭＳ Ｐゴシック" charset="-128"/>
+                <a:cs typeface="ＭＳ Ｐゴシック" charset="-128"/>
+              </a:rPr>
+              <a:t>Optional nodes</a:t>
+            </a:r>
+            <a:endParaRPr kumimoji="0" lang="en-US" sz="3300" b="0" i="0" u="none" strike="noStrike" kern="0" cap="none" spc="0" normalizeH="0" baseline="0" noProof="0" dirty="0">
+              <a:ln>
+                <a:noFill/>
+              </a:ln>
+              <a:solidFill>
+                <a:schemeClr val="tx1"/>
+              </a:solidFill>
+              <a:effectLst/>
+              <a:uLnTx/>
+              <a:uFillTx/>
+              <a:latin typeface="+mj-lt"/>
+              <a:ea typeface="ＭＳ Ｐゴシック" charset="-128"/>
+              <a:cs typeface="ＭＳ Ｐゴシック" charset="-128"/>
+            </a:endParaRPr>
+          </a:p>
+        </p:txBody>
+      </p:sp>
+      <p:sp>
+        <p:nvSpPr>
+          <p:cNvPr id="6" name="Content Placeholder 2"/>
+          <p:cNvSpPr txBox="1">
+            <a:spLocks/>
+          </p:cNvSpPr>
+          <p:nvPr/>
+        </p:nvSpPr>
+        <p:spPr bwMode="auto">
+          <a:xfrm>
+            <a:off x="947281" y="4414220"/>
+            <a:ext cx="7138987" cy="712952"/>
+          </a:xfrm>
+          <a:prstGeom prst="rect">
+            <a:avLst/>
+          </a:prstGeom>
+          <a:noFill/>
+          <a:ln w="9525">
+            <a:noFill/>
+            <a:miter lim="800000"/>
+            <a:headEnd/>
+            <a:tailEnd/>
+          </a:ln>
+        </p:spPr>
+        <p:txBody>
+          <a:bodyPr vert="horz" wrap="square" lIns="0" tIns="0" rIns="0" bIns="0" numCol="1" anchor="t" anchorCtr="0" compatLnSpc="1">
+            <a:prstTxWarp prst="textNoShape">
+              <a:avLst/>
+            </a:prstTxWarp>
+          </a:bodyPr>
+          <a:lstStyle/>
+          <a:p>
+            <a:pPr marL="195263" marR="0" lvl="0" indent="-195263" algn="l" defTabSz="914400" rtl="0" eaLnBrk="0" fontAlgn="base" latinLnBrk="0" hangingPunct="0">
+              <a:lnSpc>
+                <a:spcPts val="2500"/>
+              </a:lnSpc>
+              <a:spcBef>
+                <a:spcPct val="0"/>
+              </a:spcBef>
+              <a:spcAft>
+                <a:spcPct val="0"/>
+              </a:spcAft>
+              <a:buClr>
+                <a:srgbClr val="00A6D6"/>
+              </a:buClr>
+              <a:buSzTx/>
+              <a:buFontTx/>
+              <a:buChar char="•"/>
+              <a:tabLst/>
+              <a:defRPr/>
+            </a:pPr>
+            <a:r>
+              <a:rPr kumimoji="0" lang="en-US" sz="2000" b="0" i="0" u="none" strike="noStrike" kern="0" cap="none" spc="0" normalizeH="0" baseline="0" noProof="0" dirty="0" smtClean="0">
+                <a:ln>
+                  <a:noFill/>
+                </a:ln>
+                <a:solidFill>
+                  <a:schemeClr val="tx1"/>
+                </a:solidFill>
+                <a:effectLst/>
+                <a:uLnTx/>
+                <a:uFillTx/>
+                <a:latin typeface="+mn-lt"/>
+                <a:ea typeface="ＭＳ Ｐゴシック" charset="-128"/>
+                <a:cs typeface="ＭＳ Ｐゴシック" charset="-128"/>
+              </a:rPr>
+              <a:t>Validate matches in the</a:t>
+            </a:r>
+            <a:r>
+              <a:rPr kumimoji="0" lang="en-US" sz="2000" b="0" i="0" u="none" strike="noStrike" kern="0" cap="none" spc="0" normalizeH="0" noProof="0" dirty="0" smtClean="0">
+                <a:ln>
+                  <a:noFill/>
+                </a:ln>
+                <a:solidFill>
+                  <a:schemeClr val="tx1"/>
+                </a:solidFill>
+                <a:effectLst/>
+                <a:uLnTx/>
+                <a:uFillTx/>
+                <a:latin typeface="+mn-lt"/>
+                <a:ea typeface="ＭＳ Ｐゴシック" charset="-128"/>
+                <a:cs typeface="ＭＳ Ｐゴシック" charset="-128"/>
+              </a:rPr>
+              <a:t> </a:t>
+            </a:r>
+            <a:r>
+              <a:rPr kumimoji="0" lang="en-US" sz="2000" b="0" i="0" u="none" strike="noStrike" kern="0" cap="none" spc="0" normalizeH="0" noProof="0" dirty="0" err="1" smtClean="0">
+                <a:ln>
+                  <a:noFill/>
+                </a:ln>
+                <a:solidFill>
+                  <a:schemeClr val="tx1"/>
+                </a:solidFill>
+                <a:effectLst/>
+                <a:uLnTx/>
+                <a:uFillTx/>
+                <a:latin typeface="+mn-lt"/>
+                <a:ea typeface="ＭＳ Ｐゴシック" charset="-128"/>
+                <a:cs typeface="ＭＳ Ｐゴシック" charset="-128"/>
+              </a:rPr>
+              <a:t>endElement</a:t>
+            </a:r>
+            <a:r>
+              <a:rPr kumimoji="0" lang="en-US" sz="2000" b="0" i="0" u="none" strike="noStrike" kern="0" cap="none" spc="0" normalizeH="0" noProof="0" dirty="0" smtClean="0">
+                <a:ln>
+                  <a:noFill/>
+                </a:ln>
+                <a:solidFill>
+                  <a:schemeClr val="tx1"/>
+                </a:solidFill>
+                <a:effectLst/>
+                <a:uLnTx/>
+                <a:uFillTx/>
+                <a:latin typeface="+mn-lt"/>
+                <a:ea typeface="ＭＳ Ｐゴシック" charset="-128"/>
+                <a:cs typeface="ＭＳ Ｐゴシック" charset="-128"/>
+              </a:rPr>
+              <a:t>() method</a:t>
+            </a:r>
+            <a:endParaRPr kumimoji="0" lang="en-US" sz="2000" b="0" i="0" u="none" strike="noStrike" kern="0" cap="none" spc="0" normalizeH="0" baseline="0" noProof="0" dirty="0" smtClean="0">
+              <a:ln>
+                <a:noFill/>
+              </a:ln>
+              <a:solidFill>
+                <a:schemeClr val="tx1"/>
+              </a:solidFill>
+              <a:effectLst/>
+              <a:uLnTx/>
+              <a:uFillTx/>
+              <a:latin typeface="+mn-lt"/>
+              <a:ea typeface="ＭＳ Ｐゴシック" charset="-128"/>
+              <a:cs typeface="ＭＳ Ｐゴシック" charset="-128"/>
+            </a:endParaRPr>
+          </a:p>
+          <a:p>
+            <a:pPr marL="195263" marR="0" lvl="0" indent="-195263" algn="l" defTabSz="914400" rtl="0" eaLnBrk="0" fontAlgn="base" latinLnBrk="0" hangingPunct="0">
+              <a:lnSpc>
+                <a:spcPts val="2500"/>
+              </a:lnSpc>
+              <a:spcBef>
+                <a:spcPct val="0"/>
+              </a:spcBef>
+              <a:spcAft>
+                <a:spcPct val="0"/>
+              </a:spcAft>
+              <a:buClr>
+                <a:srgbClr val="00A6D6"/>
+              </a:buClr>
+              <a:buSzTx/>
+              <a:buFontTx/>
+              <a:buChar char="•"/>
+              <a:tabLst/>
+              <a:defRPr/>
+            </a:pPr>
+            <a:endParaRPr kumimoji="0" lang="en-US" sz="2000" b="0" i="0" u="none" strike="noStrike" kern="0" cap="none" spc="0" normalizeH="0" baseline="0" noProof="0" dirty="0" smtClean="0">
+              <a:ln>
+                <a:noFill/>
+              </a:ln>
+              <a:solidFill>
+                <a:schemeClr val="tx1"/>
+              </a:solidFill>
+              <a:effectLst/>
+              <a:uLnTx/>
+              <a:uFillTx/>
+              <a:latin typeface="+mn-lt"/>
+              <a:ea typeface="ＭＳ Ｐゴシック" charset="-128"/>
+              <a:cs typeface="ＭＳ Ｐゴシック" charset="-128"/>
+            </a:endParaRPr>
+          </a:p>
+        </p:txBody>
+      </p:sp>
+      <p:pic>
+        <p:nvPicPr>
+          <p:cNvPr id="7" name="Picture 6" descr="optional.png"/>
+          <p:cNvPicPr>
+            <a:picLocks noChangeAspect="1"/>
+          </p:cNvPicPr>
+          <p:nvPr/>
+        </p:nvPicPr>
+        <p:blipFill>
+          <a:blip r:embed="rId3"/>
+          <a:stretch>
+            <a:fillRect/>
+          </a:stretch>
+        </p:blipFill>
+        <p:spPr>
+          <a:xfrm>
+            <a:off x="2599540" y="5006737"/>
+            <a:ext cx="3029493" cy="251063"/>
+          </a:xfrm>
+          <a:prstGeom prst="rect">
+            <a:avLst/>
+          </a:prstGeom>
+        </p:spPr>
+      </p:pic>
     </p:spTree>
   </p:cSld>
   <p:clrMapOvr>
@@ -4516,11 +4869,7 @@
             </a:br>
             <a:r>
               <a:rPr lang="en-US" dirty="0" smtClean="0"/>
-              <a:t>Results as </a:t>
-            </a:r>
-            <a:r>
-              <a:rPr lang="en-US" dirty="0" err="1" smtClean="0"/>
-              <a:t>subtrees</a:t>
+              <a:t>Value predicates</a:t>
             </a:r>
             <a:endParaRPr lang="en-US" dirty="0"/>
           </a:p>
@@ -4536,15 +4885,48 @@
             <p:ph idx="1"/>
           </p:nvPr>
         </p:nvSpPr>
-        <p:spPr/>
+        <p:spPr>
+          <a:xfrm>
+            <a:off x="925513" y="2073729"/>
+            <a:ext cx="7663316" cy="3506788"/>
+          </a:xfrm>
+        </p:spPr>
         <p:txBody>
           <a:bodyPr/>
           <a:lstStyle/>
           <a:p>
+            <a:r>
+              <a:rPr lang="en-US" dirty="0" smtClean="0"/>
+              <a:t>Texts are saved in a map and checked against the value predicate stored in the pattern node</a:t>
+            </a:r>
             <a:endParaRPr lang="en-US" dirty="0"/>
           </a:p>
         </p:txBody>
       </p:sp>
+      <p:pic>
+        <p:nvPicPr>
+          <p:cNvPr id="4" name="Picture 3" descr="valuepredicates.png"/>
+          <p:cNvPicPr>
+            <a:picLocks noChangeAspect="1"/>
+          </p:cNvPicPr>
+          <p:nvPr/>
+        </p:nvPicPr>
+        <p:blipFill>
+          <a:blip r:embed="rId2"/>
+          <a:stretch>
+            <a:fillRect/>
+          </a:stretch>
+        </p:blipFill>
+        <p:spPr>
+          <a:xfrm>
+            <a:off x="969836" y="3244591"/>
+            <a:ext cx="7822933" cy="723252"/>
+          </a:xfrm>
+          <a:prstGeom prst="rect">
+            <a:avLst/>
+          </a:prstGeom>
+        </p:spPr>
+      </p:pic>
     </p:spTree>
   </p:cSld>
   <p:clrMapOvr>
@@ -4572,7 +4954,7 @@
       </p:grpSpPr>
       <p:sp>
         <p:nvSpPr>
-          <p:cNvPr id="2" name="Title 1"/>
+          <p:cNvPr id="5122" name="Title 1"/>
           <p:cNvSpPr>
             <a:spLocks noGrp="1"/>
           </p:cNvSpPr>
@@ -4580,22 +4962,55 @@
             <p:ph type="title"/>
           </p:nvPr>
         </p:nvSpPr>
-        <p:spPr/>
+        <p:spPr>
+          <a:xfrm>
+            <a:off x="901247" y="1126672"/>
+            <a:ext cx="7442654" cy="1244600"/>
+          </a:xfrm>
+        </p:spPr>
         <p:txBody>
           <a:bodyPr/>
           <a:lstStyle/>
           <a:p>
-            <a:r>
-              <a:rPr lang="en-US" dirty="0" smtClean="0"/>
-              <a:t>Example run</a:t>
-            </a:r>
-            <a:endParaRPr lang="en-US" dirty="0"/>
-          </a:p>
-        </p:txBody>
-      </p:sp>
-      <p:sp>
-        <p:nvSpPr>
-          <p:cNvPr id="3" name="Content Placeholder 2"/>
+            <a:pPr>
+              <a:defRPr/>
+            </a:pPr>
+            <a:r>
+              <a:rPr lang="en-US" sz="3700" dirty="0" smtClean="0"/>
+              <a:t>Assignment 2</a:t>
+            </a:r>
+            <a:br>
+              <a:rPr lang="en-US" sz="3700" dirty="0" smtClean="0"/>
+            </a:br>
+            <a:r>
+              <a:rPr lang="en-US" sz="3700" dirty="0" smtClean="0"/>
+              <a:t/>
+            </a:r>
+            <a:br>
+              <a:rPr lang="en-US" sz="3700" dirty="0" smtClean="0"/>
+            </a:br>
+            <a:r>
+              <a:rPr lang="en-US" sz="3700" dirty="0" smtClean="0"/>
+              <a:t/>
+            </a:r>
+            <a:br>
+              <a:rPr lang="en-US" sz="3700" dirty="0" smtClean="0"/>
+            </a:br>
+            <a:r>
+              <a:rPr lang="en-US" sz="3700" dirty="0" smtClean="0"/>
+              <a:t>Large-Scale Data Management with HADOOP</a:t>
+            </a:r>
+            <a:endParaRPr lang="en-US" sz="3700" dirty="0" smtClean="0">
+              <a:solidFill>
+                <a:srgbClr val="FF0000"/>
+              </a:solidFill>
+            </a:endParaRPr>
+          </a:p>
+        </p:txBody>
+      </p:sp>
+      <p:sp>
+        <p:nvSpPr>
+          <p:cNvPr id="6147" name="Content Placeholder 2"/>
           <p:cNvSpPr>
             <a:spLocks noGrp="1"/>
           </p:cNvSpPr>
@@ -4603,12 +5018,38 @@
             <p:ph idx="1"/>
           </p:nvPr>
         </p:nvSpPr>
-        <p:spPr/>
+        <p:spPr>
+          <a:xfrm>
+            <a:off x="923925" y="1412875"/>
+            <a:ext cx="7632700" cy="4538663"/>
+          </a:xfrm>
+        </p:spPr>
         <p:txBody>
           <a:bodyPr/>
           <a:lstStyle/>
           <a:p>
-            <a:endParaRPr lang="en-US" dirty="0"/>
+            <a:pPr>
+              <a:buNone/>
+            </a:pPr>
+            <a:endParaRPr lang="en-US" dirty="0" smtClean="0">
+              <a:latin typeface="Myriad Pro"/>
+            </a:endParaRPr>
+          </a:p>
+          <a:p>
+            <a:pPr>
+              <a:buNone/>
+            </a:pPr>
+            <a:endParaRPr lang="en-US" dirty="0" smtClean="0">
+              <a:latin typeface="Myriad Pro"/>
+            </a:endParaRPr>
+          </a:p>
+          <a:p>
+            <a:pPr lvl="2">
+              <a:buNone/>
+            </a:pPr>
+            <a:endParaRPr lang="en-US" dirty="0" smtClean="0">
+              <a:latin typeface="Myriad Pro"/>
+            </a:endParaRPr>
           </a:p>
         </p:txBody>
       </p:sp>
@@ -4617,6 +5058,13 @@
   <p:clrMapOvr>
     <a:masterClrMapping/>
   </p:clrMapOvr>
+  <p:timing>
+    <p:tnLst>
+      <p:par>
+        <p:cTn id="1" dur="indefinite" restart="never" nodeType="tmRoot"/>
+      </p:par>
+    </p:tnLst>
+  </p:timing>
 </p:sld>
 </file>
 
@@ -4639,7 +5087,7 @@
       </p:grpSpPr>
       <p:sp>
         <p:nvSpPr>
-          <p:cNvPr id="5122" name="Title 1"/>
+          <p:cNvPr id="2" name="Title 1"/>
           <p:cNvSpPr>
             <a:spLocks noGrp="1"/>
           </p:cNvSpPr>
@@ -4647,55 +5095,26 @@
             <p:ph type="title"/>
           </p:nvPr>
         </p:nvSpPr>
-        <p:spPr>
-          <a:xfrm>
-            <a:off x="901247" y="1126672"/>
-            <a:ext cx="7442654" cy="1244600"/>
-          </a:xfrm>
-        </p:spPr>
+        <p:spPr/>
         <p:txBody>
           <a:bodyPr/>
           <a:lstStyle/>
           <a:p>
-            <a:pPr>
-              <a:defRPr/>
-            </a:pPr>
-            <a:r>
-              <a:rPr lang="en-US" sz="3700" dirty="0" smtClean="0"/>
-              <a:t>Assignment 2</a:t>
-            </a:r>
-            <a:br>
-              <a:rPr lang="en-US" sz="3700" dirty="0" smtClean="0"/>
-            </a:br>
-            <a:r>
-              <a:rPr lang="en-US" sz="3700" dirty="0" smtClean="0"/>
-              <a:t/>
-            </a:r>
-            <a:br>
-              <a:rPr lang="en-US" sz="3700" dirty="0" smtClean="0"/>
-            </a:br>
-            <a:r>
-              <a:rPr lang="en-US" sz="3700" dirty="0" smtClean="0"/>
-              <a:t/>
-            </a:r>
-            <a:br>
-              <a:rPr lang="en-US" sz="3700" dirty="0" smtClean="0"/>
-            </a:br>
-            <a:r>
-              <a:rPr lang="en-US" sz="3700" dirty="0" smtClean="0"/>
-              <a:t>Large-Scale Data Management with HADOOP</a:t>
-            </a:r>
-            <a:endParaRPr lang="en-US" sz="3700" dirty="0" smtClean="0">
-              <a:solidFill>
-                <a:srgbClr val="FF0000"/>
-              </a:solidFill>
-            </a:endParaRPr>
-          </a:p>
-        </p:txBody>
-      </p:sp>
-      <p:sp>
-        <p:nvSpPr>
-          <p:cNvPr id="6147" name="Content Placeholder 2"/>
+            <a:r>
+              <a:rPr lang="en-US" dirty="0" err="1" smtClean="0"/>
+              <a:t>MapReduce</a:t>
+            </a:r>
+            <a:r>
+              <a:rPr lang="en-US" dirty="0" smtClean="0"/>
+              <a:t> jobs</a:t>
+            </a:r>
+            <a:endParaRPr lang="en-US" dirty="0"/>
+          </a:p>
+        </p:txBody>
+      </p:sp>
+      <p:sp>
+        <p:nvSpPr>
+          <p:cNvPr id="3" name="Content Placeholder 2"/>
           <p:cNvSpPr>
             <a:spLocks noGrp="1"/>
           </p:cNvSpPr>
@@ -4703,38 +5122,12 @@
             <p:ph idx="1"/>
           </p:nvPr>
         </p:nvSpPr>
-        <p:spPr>
-          <a:xfrm>
-            <a:off x="923925" y="1412875"/>
-            <a:ext cx="7632700" cy="4538663"/>
-          </a:xfrm>
-        </p:spPr>
+        <p:spPr/>
         <p:txBody>
           <a:bodyPr/>
           <a:lstStyle/>
           <a:p>
-            <a:pPr>
-              <a:buNone/>
-            </a:pPr>
-            <a:endParaRPr lang="en-US" dirty="0" smtClean="0">
-              <a:latin typeface="Myriad Pro"/>
-            </a:endParaRPr>
-          </a:p>
-          <a:p>
-            <a:pPr>
-              <a:buNone/>
-            </a:pPr>
-            <a:endParaRPr lang="en-US" dirty="0" smtClean="0">
-              <a:latin typeface="Myriad Pro"/>
-            </a:endParaRPr>
-          </a:p>
-          <a:p>
-            <a:pPr lvl="2">
-              <a:buNone/>
-            </a:pPr>
-            <a:endParaRPr lang="en-US" dirty="0" smtClean="0">
-              <a:latin typeface="Myriad Pro"/>
-            </a:endParaRPr>
+            <a:endParaRPr lang="en-US" dirty="0"/>
           </a:p>
         </p:txBody>
       </p:sp>
@@ -4743,13 +5136,6 @@
   <p:clrMapOvr>
     <a:masterClrMapping/>
   </p:clrMapOvr>
-  <p:timing>
-    <p:tnLst>
-      <p:par>
-        <p:cTn id="1" dur="indefinite" restart="never" nodeType="tmRoot"/>
-      </p:par>
-    </p:tnLst>
-  </p:timing>
 </p:sld>
 </file>
 
@@ -4786,12 +5172,15 @@
           <a:lstStyle/>
           <a:p>
             <a:r>
-              <a:rPr lang="en-US" dirty="0" err="1" smtClean="0"/>
-              <a:t>MapReduce</a:t>
-            </a:r>
-            <a:r>
               <a:rPr lang="en-US" dirty="0" smtClean="0"/>
-              <a:t> jobs</a:t>
+              <a:t>Combiner functions</a:t>
+            </a:r>
+            <a:br>
+              <a:rPr lang="en-US" dirty="0" smtClean="0"/>
+            </a:br>
+            <a:r>
+              <a:rPr lang="en-US" dirty="0" smtClean="0"/>
+              <a:t>Exercise 1</a:t>
             </a:r>
             <a:endParaRPr lang="en-US" dirty="0"/>
           </a:p>
@@ -4858,14 +5247,14 @@
           <a:p>
             <a:r>
               <a:rPr lang="en-US" dirty="0" smtClean="0"/>
-              <a:t>Combiner functions</a:t>
+              <a:t>XML processing with HADOOP</a:t>
             </a:r>
             <a:br>
               <a:rPr lang="en-US" dirty="0" smtClean="0"/>
             </a:br>
             <a:r>
               <a:rPr lang="en-US" dirty="0" smtClean="0"/>
-              <a:t>Exercise 1</a:t>
+              <a:t>Exercise 2</a:t>
             </a:r>
             <a:endParaRPr lang="en-US" dirty="0"/>
           </a:p>
@@ -4932,14 +5321,14 @@
           <a:p>
             <a:r>
               <a:rPr lang="en-US" dirty="0" smtClean="0"/>
-              <a:t>XML processing with HADOOP</a:t>
+              <a:t>PIGLATIN scripts</a:t>
             </a:r>
             <a:br>
               <a:rPr lang="en-US" dirty="0" smtClean="0"/>
             </a:br>
             <a:r>
               <a:rPr lang="en-US" dirty="0" smtClean="0"/>
-              <a:t>Exercise 2</a:t>
+              <a:t>Exercise 3</a:t>
             </a:r>
             <a:endParaRPr lang="en-US" dirty="0"/>
           </a:p>
@@ -5006,14 +5395,22 @@
           <a:p>
             <a:r>
               <a:rPr lang="en-US" dirty="0" smtClean="0"/>
-              <a:t>PIGLATIN scripts</a:t>
+              <a:t>Inverted </a:t>
+            </a:r>
+            <a:r>
+              <a:rPr lang="en-US" dirty="0" smtClean="0"/>
+              <a:t>f</a:t>
+            </a:r>
+            <a:r>
+              <a:rPr lang="en-US" dirty="0" smtClean="0"/>
+              <a:t>ile project</a:t>
             </a:r>
             <a:br>
               <a:rPr lang="en-US" dirty="0" smtClean="0"/>
             </a:br>
             <a:r>
               <a:rPr lang="en-US" dirty="0" smtClean="0"/>
-              <a:t>Exercise 3</a:t>
+              <a:t>Exercise 4</a:t>
             </a:r>
             <a:endParaRPr lang="en-US" dirty="0"/>
           </a:p>
@@ -5047,88 +5444,6 @@
 </file>
 
 <file path=ppt/slides/slide18.xml><?xml version="1.0" encoding="utf-8"?>
-<p:sld xmlns:a="http://schemas.openxmlformats.org/drawingml/2006/main" xmlns:r="http://schemas.openxmlformats.org/officeDocument/2006/relationships" xmlns:p="http://schemas.openxmlformats.org/presentationml/2006/main">
-  <p:cSld>
-    <p:spTree>
-      <p:nvGrpSpPr>
-        <p:cNvPr id="1" name=""/>
-        <p:cNvGrpSpPr/>
-        <p:nvPr/>
-      </p:nvGrpSpPr>
-      <p:grpSpPr>
-        <a:xfrm>
-          <a:off x="0" y="0"/>
-          <a:ext cx="0" cy="0"/>
-          <a:chOff x="0" y="0"/>
-          <a:chExt cx="0" cy="0"/>
-        </a:xfrm>
-      </p:grpSpPr>
-      <p:sp>
-        <p:nvSpPr>
-          <p:cNvPr id="2" name="Title 1"/>
-          <p:cNvSpPr>
-            <a:spLocks noGrp="1"/>
-          </p:cNvSpPr>
-          <p:nvPr>
-            <p:ph type="title"/>
-          </p:nvPr>
-        </p:nvSpPr>
-        <p:spPr/>
-        <p:txBody>
-          <a:bodyPr/>
-          <a:lstStyle/>
-          <a:p>
-            <a:r>
-              <a:rPr lang="en-US" dirty="0" smtClean="0"/>
-              <a:t>Inverted </a:t>
-            </a:r>
-            <a:r>
-              <a:rPr lang="en-US" dirty="0" smtClean="0"/>
-              <a:t>f</a:t>
-            </a:r>
-            <a:r>
-              <a:rPr lang="en-US" dirty="0" smtClean="0"/>
-              <a:t>ile project</a:t>
-            </a:r>
-            <a:br>
-              <a:rPr lang="en-US" dirty="0" smtClean="0"/>
-            </a:br>
-            <a:r>
-              <a:rPr lang="en-US" dirty="0" smtClean="0"/>
-              <a:t>Exercise 4</a:t>
-            </a:r>
-            <a:endParaRPr lang="en-US" dirty="0"/>
-          </a:p>
-        </p:txBody>
-      </p:sp>
-      <p:sp>
-        <p:nvSpPr>
-          <p:cNvPr id="3" name="Content Placeholder 2"/>
-          <p:cNvSpPr>
-            <a:spLocks noGrp="1"/>
-          </p:cNvSpPr>
-          <p:nvPr>
-            <p:ph idx="1"/>
-          </p:nvPr>
-        </p:nvSpPr>
-        <p:spPr/>
-        <p:txBody>
-          <a:bodyPr/>
-          <a:lstStyle/>
-          <a:p>
-            <a:endParaRPr lang="en-US" dirty="0"/>
-          </a:p>
-        </p:txBody>
-      </p:sp>
-    </p:spTree>
-  </p:cSld>
-  <p:clrMapOvr>
-    <a:masterClrMapping/>
-  </p:clrMapOvr>
-</p:sld>
-</file>
-
-<file path=ppt/slides/slide19.xml><?xml version="1.0" encoding="utf-8"?>
 <p:sld xmlns:a="http://schemas.openxmlformats.org/drawingml/2006/main" xmlns:r="http://schemas.openxmlformats.org/officeDocument/2006/relationships" xmlns:p="http://schemas.openxmlformats.org/presentationml/2006/main">
   <p:cSld>
     <p:spTree>
@@ -5545,17 +5860,72 @@
           <a:p>
             <a:r>
               <a:rPr lang="en-US" dirty="0" smtClean="0"/>
-              <a:t>Goal and basics</a:t>
+              <a:t>Purpose: obtain query results from XML files</a:t>
             </a:r>
             <a:endParaRPr lang="en-US" dirty="0"/>
           </a:p>
         </p:txBody>
       </p:sp>
+      <p:pic>
+        <p:nvPicPr>
+          <p:cNvPr id="6" name="Picture 5" descr="tree_example.png"/>
+          <p:cNvPicPr>
+            <a:picLocks noChangeAspect="1"/>
+          </p:cNvPicPr>
+          <p:nvPr/>
+        </p:nvPicPr>
+        <p:blipFill>
+          <a:blip r:embed="rId2"/>
+          <a:stretch>
+            <a:fillRect/>
+          </a:stretch>
+        </p:blipFill>
+        <p:spPr>
+          <a:xfrm>
+            <a:off x="275976" y="2438947"/>
+            <a:ext cx="6156506" cy="3308710"/>
+          </a:xfrm>
+          <a:prstGeom prst="rect">
+            <a:avLst/>
+          </a:prstGeom>
+        </p:spPr>
+      </p:pic>
+      <p:pic>
+        <p:nvPicPr>
+          <p:cNvPr id="7" name="Picture 6" descr="pattern_tree1.png"/>
+          <p:cNvPicPr>
+            <a:picLocks noChangeAspect="1"/>
+          </p:cNvPicPr>
+          <p:nvPr/>
+        </p:nvPicPr>
+        <p:blipFill>
+          <a:blip r:embed="rId3"/>
+          <a:stretch>
+            <a:fillRect/>
+          </a:stretch>
+        </p:blipFill>
+        <p:spPr>
+          <a:xfrm>
+            <a:off x="6510408" y="2817976"/>
+            <a:ext cx="2325468" cy="1868324"/>
+          </a:xfrm>
+          <a:prstGeom prst="rect">
+            <a:avLst/>
+          </a:prstGeom>
+        </p:spPr>
+      </p:pic>
     </p:spTree>
   </p:cSld>
   <p:clrMapOvr>
     <a:masterClrMapping/>
   </p:clrMapOvr>
+  <p:timing>
+    <p:tnLst>
+      <p:par>
+        <p:cTn id="1" dur="indefinite" restart="never" nodeType="tmRoot"/>
+      </p:par>
+    </p:tnLst>
+  </p:timing>
 </p:sld>
 </file>
 
@@ -5576,55 +5946,9 @@
           <a:chExt cx="0" cy="0"/>
         </a:xfrm>
       </p:grpSpPr>
-      <p:sp>
-        <p:nvSpPr>
-          <p:cNvPr id="2" name="Title 1"/>
-          <p:cNvSpPr>
-            <a:spLocks noGrp="1"/>
-          </p:cNvSpPr>
-          <p:nvPr>
-            <p:ph type="title"/>
-          </p:nvPr>
-        </p:nvSpPr>
-        <p:spPr/>
-        <p:txBody>
-          <a:bodyPr/>
-          <a:lstStyle/>
-          <a:p>
-            <a:r>
-              <a:rPr lang="en-US" dirty="0" smtClean="0"/>
-              <a:t>Input</a:t>
-            </a:r>
-            <a:endParaRPr lang="en-US" dirty="0"/>
-          </a:p>
-        </p:txBody>
-      </p:sp>
-      <p:sp>
-        <p:nvSpPr>
-          <p:cNvPr id="3" name="Content Placeholder 2"/>
-          <p:cNvSpPr>
-            <a:spLocks noGrp="1"/>
-          </p:cNvSpPr>
-          <p:nvPr>
-            <p:ph idx="1"/>
-          </p:nvPr>
-        </p:nvSpPr>
-        <p:spPr/>
-        <p:txBody>
-          <a:bodyPr/>
-          <a:lstStyle/>
-          <a:p>
-            <a:r>
-              <a:rPr lang="en-US" dirty="0" smtClean="0"/>
-              <a:t>Two XML files</a:t>
-            </a:r>
-            <a:endParaRPr lang="en-US" dirty="0"/>
-          </a:p>
-        </p:txBody>
-      </p:sp>
       <p:pic>
         <p:nvPicPr>
-          <p:cNvPr id="5" name="Content Placeholder 3" descr="XML_pattern_tree.png"/>
+          <p:cNvPr id="6" name="Picture 5" descr="tree_example.png"/>
           <p:cNvPicPr>
             <a:picLocks noChangeAspect="1"/>
           </p:cNvPicPr>
@@ -5636,28 +5960,994 @@
             <a:fillRect/>
           </a:stretch>
         </p:blipFill>
+        <p:spPr>
+          <a:xfrm>
+            <a:off x="275976" y="2438947"/>
+            <a:ext cx="6156506" cy="3308710"/>
+          </a:xfrm>
+          <a:prstGeom prst="rect">
+            <a:avLst/>
+          </a:prstGeom>
+        </p:spPr>
+      </p:pic>
+      <p:sp>
+        <p:nvSpPr>
+          <p:cNvPr id="2" name="Title 1"/>
+          <p:cNvSpPr>
+            <a:spLocks noGrp="1"/>
+          </p:cNvSpPr>
+          <p:nvPr>
+            <p:ph type="title"/>
+          </p:nvPr>
+        </p:nvSpPr>
+        <p:spPr/>
+        <p:txBody>
+          <a:bodyPr/>
+          <a:lstStyle/>
+          <a:p>
+            <a:r>
+              <a:rPr lang="en-US" dirty="0" smtClean="0"/>
+              <a:t>Tree pattern evaluation</a:t>
+            </a:r>
+            <a:endParaRPr lang="en-US" dirty="0"/>
+          </a:p>
+        </p:txBody>
+      </p:sp>
+      <p:sp>
+        <p:nvSpPr>
+          <p:cNvPr id="3" name="Content Placeholder 2"/>
+          <p:cNvSpPr>
+            <a:spLocks noGrp="1"/>
+          </p:cNvSpPr>
+          <p:nvPr>
+            <p:ph idx="1"/>
+          </p:nvPr>
+        </p:nvSpPr>
+        <p:spPr/>
+        <p:txBody>
+          <a:bodyPr/>
+          <a:lstStyle/>
+          <a:p>
+            <a:r>
+              <a:rPr lang="en-US" dirty="0" smtClean="0"/>
+              <a:t>Purpose: obtain query results from XML files</a:t>
+            </a:r>
+            <a:endParaRPr lang="en-US" dirty="0"/>
+          </a:p>
+        </p:txBody>
+      </p:sp>
+      <p:pic>
+        <p:nvPicPr>
+          <p:cNvPr id="7" name="Picture 6" descr="pattern_tree1.png"/>
+          <p:cNvPicPr>
+            <a:picLocks noChangeAspect="1"/>
+          </p:cNvPicPr>
+          <p:nvPr/>
+        </p:nvPicPr>
+        <p:blipFill>
+          <a:blip r:embed="rId3"/>
+          <a:stretch>
+            <a:fillRect/>
+          </a:stretch>
+        </p:blipFill>
+        <p:spPr>
+          <a:xfrm>
+            <a:off x="6510408" y="2817976"/>
+            <a:ext cx="2325468" cy="1868324"/>
+          </a:xfrm>
+          <a:prstGeom prst="rect">
+            <a:avLst/>
+          </a:prstGeom>
+        </p:spPr>
+      </p:pic>
+      <p:sp>
+        <p:nvSpPr>
+          <p:cNvPr id="8" name="Rectangle 7"/>
+          <p:cNvSpPr/>
+          <p:nvPr/>
+        </p:nvSpPr>
         <p:spPr bwMode="auto">
           <a:xfrm>
-            <a:off x="2302329" y="3441868"/>
-            <a:ext cx="5057187" cy="2642788"/>
+            <a:off x="1208314" y="3135086"/>
+            <a:ext cx="816429" cy="293914"/>
           </a:xfrm>
           <a:prstGeom prst="rect">
             <a:avLst/>
           </a:prstGeom>
           <a:noFill/>
-          <a:ln w="9525">
-            <a:noFill/>
-            <a:miter lim="800000"/>
-            <a:headEnd/>
-            <a:tailEnd/>
+          <a:ln w="28575" cap="flat" cmpd="sng" algn="ctr">
+            <a:solidFill>
+              <a:srgbClr val="FF0000"/>
+            </a:solidFill>
+            <a:prstDash val="sysDot"/>
+            <a:round/>
+            <a:headEnd type="none" w="med" len="med"/>
+            <a:tailEnd type="none" w="med" len="med"/>
           </a:ln>
-        </p:spPr>
-      </p:pic>
+          <a:effectLst/>
+        </p:spPr>
+        <p:txBody>
+          <a:bodyPr vert="horz" wrap="square" lIns="91440" tIns="45720" rIns="91440" bIns="45720" numCol="1" rtlCol="0" anchor="t" anchorCtr="0" compatLnSpc="1">
+            <a:prstTxWarp prst="textNoShape">
+              <a:avLst/>
+            </a:prstTxWarp>
+          </a:bodyPr>
+          <a:lstStyle/>
+          <a:p>
+            <a:pPr marL="0" marR="0" indent="0" algn="l" defTabSz="914400" rtl="0" eaLnBrk="0" fontAlgn="base" latinLnBrk="0" hangingPunct="0">
+              <a:lnSpc>
+                <a:spcPct val="100000"/>
+              </a:lnSpc>
+              <a:spcBef>
+                <a:spcPct val="0"/>
+              </a:spcBef>
+              <a:spcAft>
+                <a:spcPct val="0"/>
+              </a:spcAft>
+              <a:buClrTx/>
+              <a:buSzTx/>
+              <a:buFontTx/>
+              <a:buNone/>
+              <a:tabLst/>
+            </a:pPr>
+            <a:endParaRPr kumimoji="0" lang="en-US" sz="2400" b="0" i="0" u="none" strike="noStrike" cap="none" normalizeH="0" baseline="0" smtClean="0">
+              <a:ln>
+                <a:noFill/>
+              </a:ln>
+              <a:solidFill>
+                <a:schemeClr val="tx1"/>
+              </a:solidFill>
+              <a:effectLst/>
+              <a:latin typeface="Arial" charset="0"/>
+              <a:ea typeface="ＭＳ Ｐゴシック" pitchFamily="1" charset="-128"/>
+            </a:endParaRPr>
+          </a:p>
+        </p:txBody>
+      </p:sp>
+      <p:sp>
+        <p:nvSpPr>
+          <p:cNvPr id="9" name="Rectangle 8"/>
+          <p:cNvSpPr/>
+          <p:nvPr/>
+        </p:nvSpPr>
+        <p:spPr bwMode="auto">
+          <a:xfrm>
+            <a:off x="4332515" y="3140529"/>
+            <a:ext cx="859972" cy="321129"/>
+          </a:xfrm>
+          <a:prstGeom prst="rect">
+            <a:avLst/>
+          </a:prstGeom>
+          <a:noFill/>
+          <a:ln w="28575" cap="flat" cmpd="sng" algn="ctr">
+            <a:solidFill>
+              <a:srgbClr val="FF0000"/>
+            </a:solidFill>
+            <a:prstDash val="sysDot"/>
+            <a:round/>
+            <a:headEnd type="none" w="med" len="med"/>
+            <a:tailEnd type="none" w="med" len="med"/>
+          </a:ln>
+          <a:effectLst/>
+        </p:spPr>
+        <p:txBody>
+          <a:bodyPr vert="horz" wrap="square" lIns="91440" tIns="45720" rIns="91440" bIns="45720" numCol="1" rtlCol="0" anchor="t" anchorCtr="0" compatLnSpc="1">
+            <a:prstTxWarp prst="textNoShape">
+              <a:avLst/>
+            </a:prstTxWarp>
+          </a:bodyPr>
+          <a:lstStyle/>
+          <a:p>
+            <a:pPr marL="0" marR="0" indent="0" algn="l" defTabSz="914400" rtl="0" eaLnBrk="0" fontAlgn="base" latinLnBrk="0" hangingPunct="0">
+              <a:lnSpc>
+                <a:spcPct val="100000"/>
+              </a:lnSpc>
+              <a:spcBef>
+                <a:spcPct val="0"/>
+              </a:spcBef>
+              <a:spcAft>
+                <a:spcPct val="0"/>
+              </a:spcAft>
+              <a:buClrTx/>
+              <a:buSzTx/>
+              <a:buFontTx/>
+              <a:buNone/>
+              <a:tabLst/>
+            </a:pPr>
+            <a:endParaRPr kumimoji="0" lang="en-US" sz="2400" b="0" i="0" u="none" strike="noStrike" cap="none" normalizeH="0" baseline="0" smtClean="0">
+              <a:ln>
+                <a:noFill/>
+              </a:ln>
+              <a:solidFill>
+                <a:schemeClr val="tx1"/>
+              </a:solidFill>
+              <a:effectLst/>
+              <a:latin typeface="Arial" charset="0"/>
+              <a:ea typeface="ＭＳ Ｐゴシック" pitchFamily="1" charset="-128"/>
+            </a:endParaRPr>
+          </a:p>
+        </p:txBody>
+      </p:sp>
+      <p:sp>
+        <p:nvSpPr>
+          <p:cNvPr id="10" name="Rectangle 9"/>
+          <p:cNvSpPr/>
+          <p:nvPr/>
+        </p:nvSpPr>
+        <p:spPr bwMode="auto">
+          <a:xfrm>
+            <a:off x="478971" y="3695701"/>
+            <a:ext cx="816429" cy="293914"/>
+          </a:xfrm>
+          <a:prstGeom prst="rect">
+            <a:avLst/>
+          </a:prstGeom>
+          <a:noFill/>
+          <a:ln w="28575" cap="flat" cmpd="sng" algn="ctr">
+            <a:solidFill>
+              <a:srgbClr val="FF0000"/>
+            </a:solidFill>
+            <a:prstDash val="solid"/>
+            <a:round/>
+            <a:headEnd type="none" w="med" len="med"/>
+            <a:tailEnd type="none" w="med" len="med"/>
+          </a:ln>
+          <a:effectLst/>
+        </p:spPr>
+        <p:txBody>
+          <a:bodyPr vert="horz" wrap="square" lIns="91440" tIns="45720" rIns="91440" bIns="45720" numCol="1" rtlCol="0" anchor="t" anchorCtr="0" compatLnSpc="1">
+            <a:prstTxWarp prst="textNoShape">
+              <a:avLst/>
+            </a:prstTxWarp>
+          </a:bodyPr>
+          <a:lstStyle/>
+          <a:p>
+            <a:pPr marL="0" marR="0" indent="0" algn="l" defTabSz="914400" rtl="0" eaLnBrk="0" fontAlgn="base" latinLnBrk="0" hangingPunct="0">
+              <a:lnSpc>
+                <a:spcPct val="100000"/>
+              </a:lnSpc>
+              <a:spcBef>
+                <a:spcPct val="0"/>
+              </a:spcBef>
+              <a:spcAft>
+                <a:spcPct val="0"/>
+              </a:spcAft>
+              <a:buClrTx/>
+              <a:buSzTx/>
+              <a:buFontTx/>
+              <a:buNone/>
+              <a:tabLst/>
+            </a:pPr>
+            <a:endParaRPr kumimoji="0" lang="en-US" sz="2400" b="0" i="0" u="none" strike="noStrike" cap="none" normalizeH="0" baseline="0" smtClean="0">
+              <a:ln>
+                <a:noFill/>
+              </a:ln>
+              <a:solidFill>
+                <a:schemeClr val="tx1"/>
+              </a:solidFill>
+              <a:effectLst/>
+              <a:latin typeface="Arial" charset="0"/>
+              <a:ea typeface="ＭＳ Ｐゴシック" pitchFamily="1" charset="-128"/>
+            </a:endParaRPr>
+          </a:p>
+        </p:txBody>
+      </p:sp>
+      <p:sp>
+        <p:nvSpPr>
+          <p:cNvPr id="11" name="Rectangle 10"/>
+          <p:cNvSpPr/>
+          <p:nvPr/>
+        </p:nvSpPr>
+        <p:spPr bwMode="auto">
+          <a:xfrm>
+            <a:off x="1943100" y="4201886"/>
+            <a:ext cx="587829" cy="288471"/>
+          </a:xfrm>
+          <a:prstGeom prst="rect">
+            <a:avLst/>
+          </a:prstGeom>
+          <a:noFill/>
+          <a:ln w="28575" cap="flat" cmpd="sng" algn="ctr">
+            <a:solidFill>
+              <a:srgbClr val="FF0000"/>
+            </a:solidFill>
+            <a:prstDash val="solid"/>
+            <a:round/>
+            <a:headEnd type="none" w="med" len="med"/>
+            <a:tailEnd type="none" w="med" len="med"/>
+          </a:ln>
+          <a:effectLst/>
+        </p:spPr>
+        <p:txBody>
+          <a:bodyPr vert="horz" wrap="square" lIns="91440" tIns="45720" rIns="91440" bIns="45720" numCol="1" rtlCol="0" anchor="t" anchorCtr="0" compatLnSpc="1">
+            <a:prstTxWarp prst="textNoShape">
+              <a:avLst/>
+            </a:prstTxWarp>
+          </a:bodyPr>
+          <a:lstStyle/>
+          <a:p>
+            <a:pPr marL="0" marR="0" indent="0" algn="l" defTabSz="914400" rtl="0" eaLnBrk="0" fontAlgn="base" latinLnBrk="0" hangingPunct="0">
+              <a:lnSpc>
+                <a:spcPct val="100000"/>
+              </a:lnSpc>
+              <a:spcBef>
+                <a:spcPct val="0"/>
+              </a:spcBef>
+              <a:spcAft>
+                <a:spcPct val="0"/>
+              </a:spcAft>
+              <a:buClrTx/>
+              <a:buSzTx/>
+              <a:buFontTx/>
+              <a:buNone/>
+              <a:tabLst/>
+            </a:pPr>
+            <a:endParaRPr kumimoji="0" lang="en-US" sz="2400" b="0" i="0" u="none" strike="noStrike" cap="none" normalizeH="0" baseline="0" smtClean="0">
+              <a:ln>
+                <a:noFill/>
+              </a:ln>
+              <a:solidFill>
+                <a:schemeClr val="tx1"/>
+              </a:solidFill>
+              <a:effectLst/>
+              <a:latin typeface="Arial" charset="0"/>
+              <a:ea typeface="ＭＳ Ｐゴシック" pitchFamily="1" charset="-128"/>
+            </a:endParaRPr>
+          </a:p>
+        </p:txBody>
+      </p:sp>
+      <p:sp>
+        <p:nvSpPr>
+          <p:cNvPr id="12" name="Rectangle 11"/>
+          <p:cNvSpPr/>
+          <p:nvPr/>
+        </p:nvSpPr>
+        <p:spPr bwMode="auto">
+          <a:xfrm>
+            <a:off x="5475603" y="4207325"/>
+            <a:ext cx="587829" cy="288471"/>
+          </a:xfrm>
+          <a:prstGeom prst="rect">
+            <a:avLst/>
+          </a:prstGeom>
+          <a:noFill/>
+          <a:ln w="28575" cap="flat" cmpd="sng" algn="ctr">
+            <a:solidFill>
+              <a:srgbClr val="FF0000"/>
+            </a:solidFill>
+            <a:prstDash val="solid"/>
+            <a:round/>
+            <a:headEnd type="none" w="med" len="med"/>
+            <a:tailEnd type="none" w="med" len="med"/>
+          </a:ln>
+          <a:effectLst/>
+        </p:spPr>
+        <p:txBody>
+          <a:bodyPr vert="horz" wrap="square" lIns="91440" tIns="45720" rIns="91440" bIns="45720" numCol="1" rtlCol="0" anchor="t" anchorCtr="0" compatLnSpc="1">
+            <a:prstTxWarp prst="textNoShape">
+              <a:avLst/>
+            </a:prstTxWarp>
+          </a:bodyPr>
+          <a:lstStyle/>
+          <a:p>
+            <a:pPr marL="0" marR="0" indent="0" algn="l" defTabSz="914400" rtl="0" eaLnBrk="0" fontAlgn="base" latinLnBrk="0" hangingPunct="0">
+              <a:lnSpc>
+                <a:spcPct val="100000"/>
+              </a:lnSpc>
+              <a:spcBef>
+                <a:spcPct val="0"/>
+              </a:spcBef>
+              <a:spcAft>
+                <a:spcPct val="0"/>
+              </a:spcAft>
+              <a:buClrTx/>
+              <a:buSzTx/>
+              <a:buFontTx/>
+              <a:buNone/>
+              <a:tabLst/>
+            </a:pPr>
+            <a:endParaRPr kumimoji="0" lang="en-US" sz="2400" b="0" i="0" u="none" strike="noStrike" cap="none" normalizeH="0" baseline="0" smtClean="0">
+              <a:ln>
+                <a:noFill/>
+              </a:ln>
+              <a:solidFill>
+                <a:schemeClr val="tx1"/>
+              </a:solidFill>
+              <a:effectLst/>
+              <a:latin typeface="Arial" charset="0"/>
+              <a:ea typeface="ＭＳ Ｐゴシック" pitchFamily="1" charset="-128"/>
+            </a:endParaRPr>
+          </a:p>
+        </p:txBody>
+      </p:sp>
+      <p:sp>
+        <p:nvSpPr>
+          <p:cNvPr id="13" name="Rectangle 12"/>
+          <p:cNvSpPr/>
+          <p:nvPr/>
+        </p:nvSpPr>
+        <p:spPr bwMode="auto">
+          <a:xfrm>
+            <a:off x="5546358" y="4261751"/>
+            <a:ext cx="587829" cy="288471"/>
+          </a:xfrm>
+          <a:prstGeom prst="rect">
+            <a:avLst/>
+          </a:prstGeom>
+          <a:noFill/>
+          <a:ln w="28575" cap="flat" cmpd="sng" algn="ctr">
+            <a:solidFill>
+              <a:srgbClr val="FF0000"/>
+            </a:solidFill>
+            <a:prstDash val="solid"/>
+            <a:round/>
+            <a:headEnd type="none" w="med" len="med"/>
+            <a:tailEnd type="none" w="med" len="med"/>
+          </a:ln>
+          <a:effectLst/>
+        </p:spPr>
+        <p:txBody>
+          <a:bodyPr vert="horz" wrap="square" lIns="91440" tIns="45720" rIns="91440" bIns="45720" numCol="1" rtlCol="0" anchor="t" anchorCtr="0" compatLnSpc="1">
+            <a:prstTxWarp prst="textNoShape">
+              <a:avLst/>
+            </a:prstTxWarp>
+          </a:bodyPr>
+          <a:lstStyle/>
+          <a:p>
+            <a:pPr marL="0" marR="0" indent="0" algn="l" defTabSz="914400" rtl="0" eaLnBrk="0" fontAlgn="base" latinLnBrk="0" hangingPunct="0">
+              <a:lnSpc>
+                <a:spcPct val="100000"/>
+              </a:lnSpc>
+              <a:spcBef>
+                <a:spcPct val="0"/>
+              </a:spcBef>
+              <a:spcAft>
+                <a:spcPct val="0"/>
+              </a:spcAft>
+              <a:buClrTx/>
+              <a:buSzTx/>
+              <a:buFontTx/>
+              <a:buNone/>
+              <a:tabLst/>
+            </a:pPr>
+            <a:endParaRPr kumimoji="0" lang="en-US" sz="2400" b="0" i="0" u="none" strike="noStrike" cap="none" normalizeH="0" baseline="0" smtClean="0">
+              <a:ln>
+                <a:noFill/>
+              </a:ln>
+              <a:solidFill>
+                <a:schemeClr val="tx1"/>
+              </a:solidFill>
+              <a:effectLst/>
+              <a:latin typeface="Arial" charset="0"/>
+              <a:ea typeface="ＭＳ Ｐゴシック" pitchFamily="1" charset="-128"/>
+            </a:endParaRPr>
+          </a:p>
+        </p:txBody>
+      </p:sp>
+      <p:sp>
+        <p:nvSpPr>
+          <p:cNvPr id="14" name="Rectangle 13"/>
+          <p:cNvSpPr/>
+          <p:nvPr/>
+        </p:nvSpPr>
+        <p:spPr bwMode="auto">
+          <a:xfrm>
+            <a:off x="3570592" y="3668481"/>
+            <a:ext cx="740152" cy="299361"/>
+          </a:xfrm>
+          <a:prstGeom prst="rect">
+            <a:avLst/>
+          </a:prstGeom>
+          <a:noFill/>
+          <a:ln w="28575" cap="flat" cmpd="sng" algn="ctr">
+            <a:solidFill>
+              <a:srgbClr val="FF0000"/>
+            </a:solidFill>
+            <a:prstDash val="solid"/>
+            <a:round/>
+            <a:headEnd type="none" w="med" len="med"/>
+            <a:tailEnd type="none" w="med" len="med"/>
+          </a:ln>
+          <a:effectLst/>
+        </p:spPr>
+        <p:txBody>
+          <a:bodyPr vert="horz" wrap="square" lIns="91440" tIns="45720" rIns="91440" bIns="45720" numCol="1" rtlCol="0" anchor="t" anchorCtr="0" compatLnSpc="1">
+            <a:prstTxWarp prst="textNoShape">
+              <a:avLst/>
+            </a:prstTxWarp>
+          </a:bodyPr>
+          <a:lstStyle/>
+          <a:p>
+            <a:pPr marL="0" marR="0" indent="0" algn="l" defTabSz="914400" rtl="0" eaLnBrk="0" fontAlgn="base" latinLnBrk="0" hangingPunct="0">
+              <a:lnSpc>
+                <a:spcPct val="100000"/>
+              </a:lnSpc>
+              <a:spcBef>
+                <a:spcPct val="0"/>
+              </a:spcBef>
+              <a:spcAft>
+                <a:spcPct val="0"/>
+              </a:spcAft>
+              <a:buClrTx/>
+              <a:buSzTx/>
+              <a:buFontTx/>
+              <a:buNone/>
+              <a:tabLst/>
+            </a:pPr>
+            <a:endParaRPr kumimoji="0" lang="en-US" sz="2400" b="0" i="0" u="none" strike="noStrike" cap="none" normalizeH="0" baseline="0" smtClean="0">
+              <a:ln>
+                <a:noFill/>
+              </a:ln>
+              <a:solidFill>
+                <a:schemeClr val="tx1"/>
+              </a:solidFill>
+              <a:effectLst/>
+              <a:latin typeface="Arial" charset="0"/>
+              <a:ea typeface="ＭＳ Ｐゴシック" pitchFamily="1" charset="-128"/>
+            </a:endParaRPr>
+          </a:p>
+        </p:txBody>
+      </p:sp>
+      <p:sp>
+        <p:nvSpPr>
+          <p:cNvPr id="15" name="Rectangle 14"/>
+          <p:cNvSpPr/>
+          <p:nvPr/>
+        </p:nvSpPr>
+        <p:spPr bwMode="auto">
+          <a:xfrm>
+            <a:off x="4392386" y="3690250"/>
+            <a:ext cx="702129" cy="277593"/>
+          </a:xfrm>
+          <a:prstGeom prst="rect">
+            <a:avLst/>
+          </a:prstGeom>
+          <a:noFill/>
+          <a:ln w="28575" cap="flat" cmpd="sng" algn="ctr">
+            <a:solidFill>
+              <a:srgbClr val="FF0000"/>
+            </a:solidFill>
+            <a:prstDash val="solid"/>
+            <a:round/>
+            <a:headEnd type="none" w="med" len="med"/>
+            <a:tailEnd type="none" w="med" len="med"/>
+          </a:ln>
+          <a:effectLst/>
+        </p:spPr>
+        <p:txBody>
+          <a:bodyPr vert="horz" wrap="square" lIns="91440" tIns="45720" rIns="91440" bIns="45720" numCol="1" rtlCol="0" anchor="t" anchorCtr="0" compatLnSpc="1">
+            <a:prstTxWarp prst="textNoShape">
+              <a:avLst/>
+            </a:prstTxWarp>
+          </a:bodyPr>
+          <a:lstStyle/>
+          <a:p>
+            <a:pPr marL="0" marR="0" indent="0" algn="l" defTabSz="914400" rtl="0" eaLnBrk="0" fontAlgn="base" latinLnBrk="0" hangingPunct="0">
+              <a:lnSpc>
+                <a:spcPct val="100000"/>
+              </a:lnSpc>
+              <a:spcBef>
+                <a:spcPct val="0"/>
+              </a:spcBef>
+              <a:spcAft>
+                <a:spcPct val="0"/>
+              </a:spcAft>
+              <a:buClrTx/>
+              <a:buSzTx/>
+              <a:buFontTx/>
+              <a:buNone/>
+              <a:tabLst/>
+            </a:pPr>
+            <a:endParaRPr kumimoji="0" lang="en-US" sz="2400" b="0" i="0" u="none" strike="noStrike" cap="none" normalizeH="0" baseline="0" smtClean="0">
+              <a:ln>
+                <a:noFill/>
+              </a:ln>
+              <a:solidFill>
+                <a:schemeClr val="tx1"/>
+              </a:solidFill>
+              <a:effectLst/>
+              <a:latin typeface="Arial" charset="0"/>
+              <a:ea typeface="ＭＳ Ｐゴシック" pitchFamily="1" charset="-128"/>
+            </a:endParaRPr>
+          </a:p>
+        </p:txBody>
+      </p:sp>
+      <p:sp>
+        <p:nvSpPr>
+          <p:cNvPr id="16" name="Rectangle 15"/>
+          <p:cNvSpPr/>
+          <p:nvPr/>
+        </p:nvSpPr>
+        <p:spPr bwMode="auto">
+          <a:xfrm>
+            <a:off x="353778" y="4191010"/>
+            <a:ext cx="985165" cy="283019"/>
+          </a:xfrm>
+          <a:prstGeom prst="rect">
+            <a:avLst/>
+          </a:prstGeom>
+          <a:noFill/>
+          <a:ln w="28575" cap="flat" cmpd="sng" algn="ctr">
+            <a:solidFill>
+              <a:srgbClr val="00B050"/>
+            </a:solidFill>
+            <a:prstDash val="solid"/>
+            <a:round/>
+            <a:headEnd type="none" w="med" len="med"/>
+            <a:tailEnd type="none" w="med" len="med"/>
+          </a:ln>
+          <a:effectLst/>
+        </p:spPr>
+        <p:txBody>
+          <a:bodyPr vert="horz" wrap="square" lIns="91440" tIns="45720" rIns="91440" bIns="45720" numCol="1" rtlCol="0" anchor="t" anchorCtr="0" compatLnSpc="1">
+            <a:prstTxWarp prst="textNoShape">
+              <a:avLst/>
+            </a:prstTxWarp>
+          </a:bodyPr>
+          <a:lstStyle/>
+          <a:p>
+            <a:pPr marL="0" marR="0" indent="0" algn="l" defTabSz="914400" rtl="0" eaLnBrk="0" fontAlgn="base" latinLnBrk="0" hangingPunct="0">
+              <a:lnSpc>
+                <a:spcPct val="100000"/>
+              </a:lnSpc>
+              <a:spcBef>
+                <a:spcPct val="0"/>
+              </a:spcBef>
+              <a:spcAft>
+                <a:spcPct val="0"/>
+              </a:spcAft>
+              <a:buClrTx/>
+              <a:buSzTx/>
+              <a:buFontTx/>
+              <a:buNone/>
+              <a:tabLst/>
+            </a:pPr>
+            <a:endParaRPr kumimoji="0" lang="en-US" sz="2400" b="0" i="0" u="none" strike="noStrike" cap="none" normalizeH="0" baseline="0" smtClean="0">
+              <a:ln>
+                <a:noFill/>
+              </a:ln>
+              <a:solidFill>
+                <a:schemeClr val="tx1"/>
+              </a:solidFill>
+              <a:effectLst/>
+              <a:latin typeface="Arial" charset="0"/>
+              <a:ea typeface="ＭＳ Ｐゴシック" pitchFamily="1" charset="-128"/>
+            </a:endParaRPr>
+          </a:p>
+        </p:txBody>
+      </p:sp>
+      <p:sp>
+        <p:nvSpPr>
+          <p:cNvPr id="17" name="Rectangle 16"/>
+          <p:cNvSpPr/>
+          <p:nvPr/>
+        </p:nvSpPr>
+        <p:spPr bwMode="auto">
+          <a:xfrm>
+            <a:off x="1877779" y="4718968"/>
+            <a:ext cx="685808" cy="277576"/>
+          </a:xfrm>
+          <a:prstGeom prst="rect">
+            <a:avLst/>
+          </a:prstGeom>
+          <a:noFill/>
+          <a:ln w="28575" cap="flat" cmpd="sng" algn="ctr">
+            <a:solidFill>
+              <a:srgbClr val="00B050"/>
+            </a:solidFill>
+            <a:prstDash val="solid"/>
+            <a:round/>
+            <a:headEnd type="none" w="med" len="med"/>
+            <a:tailEnd type="none" w="med" len="med"/>
+          </a:ln>
+          <a:effectLst/>
+        </p:spPr>
+        <p:txBody>
+          <a:bodyPr vert="horz" wrap="square" lIns="91440" tIns="45720" rIns="91440" bIns="45720" numCol="1" rtlCol="0" anchor="t" anchorCtr="0" compatLnSpc="1">
+            <a:prstTxWarp prst="textNoShape">
+              <a:avLst/>
+            </a:prstTxWarp>
+          </a:bodyPr>
+          <a:lstStyle/>
+          <a:p>
+            <a:pPr marL="0" marR="0" indent="0" algn="l" defTabSz="914400" rtl="0" eaLnBrk="0" fontAlgn="base" latinLnBrk="0" hangingPunct="0">
+              <a:lnSpc>
+                <a:spcPct val="100000"/>
+              </a:lnSpc>
+              <a:spcBef>
+                <a:spcPct val="0"/>
+              </a:spcBef>
+              <a:spcAft>
+                <a:spcPct val="0"/>
+              </a:spcAft>
+              <a:buClrTx/>
+              <a:buSzTx/>
+              <a:buFontTx/>
+              <a:buNone/>
+              <a:tabLst/>
+            </a:pPr>
+            <a:endParaRPr kumimoji="0" lang="en-US" sz="2400" b="0" i="0" u="none" strike="noStrike" cap="none" normalizeH="0" baseline="0" smtClean="0">
+              <a:ln>
+                <a:noFill/>
+              </a:ln>
+              <a:solidFill>
+                <a:schemeClr val="tx1"/>
+              </a:solidFill>
+              <a:effectLst/>
+              <a:latin typeface="Arial" charset="0"/>
+              <a:ea typeface="ＭＳ Ｐゴシック" pitchFamily="1" charset="-128"/>
+            </a:endParaRPr>
+          </a:p>
+        </p:txBody>
+      </p:sp>
+      <p:sp>
+        <p:nvSpPr>
+          <p:cNvPr id="18" name="Rectangle 17"/>
+          <p:cNvSpPr/>
+          <p:nvPr/>
+        </p:nvSpPr>
+        <p:spPr bwMode="auto">
+          <a:xfrm>
+            <a:off x="5459179" y="4724411"/>
+            <a:ext cx="685808" cy="277576"/>
+          </a:xfrm>
+          <a:prstGeom prst="rect">
+            <a:avLst/>
+          </a:prstGeom>
+          <a:noFill/>
+          <a:ln w="28575" cap="flat" cmpd="sng" algn="ctr">
+            <a:solidFill>
+              <a:srgbClr val="00B050"/>
+            </a:solidFill>
+            <a:prstDash val="solid"/>
+            <a:round/>
+            <a:headEnd type="none" w="med" len="med"/>
+            <a:tailEnd type="none" w="med" len="med"/>
+          </a:ln>
+          <a:effectLst/>
+        </p:spPr>
+        <p:txBody>
+          <a:bodyPr vert="horz" wrap="square" lIns="91440" tIns="45720" rIns="91440" bIns="45720" numCol="1" rtlCol="0" anchor="t" anchorCtr="0" compatLnSpc="1">
+            <a:prstTxWarp prst="textNoShape">
+              <a:avLst/>
+            </a:prstTxWarp>
+          </a:bodyPr>
+          <a:lstStyle/>
+          <a:p>
+            <a:pPr marL="0" marR="0" indent="0" algn="l" defTabSz="914400" rtl="0" eaLnBrk="0" fontAlgn="base" latinLnBrk="0" hangingPunct="0">
+              <a:lnSpc>
+                <a:spcPct val="100000"/>
+              </a:lnSpc>
+              <a:spcBef>
+                <a:spcPct val="0"/>
+              </a:spcBef>
+              <a:spcAft>
+                <a:spcPct val="0"/>
+              </a:spcAft>
+              <a:buClrTx/>
+              <a:buSzTx/>
+              <a:buFontTx/>
+              <a:buNone/>
+              <a:tabLst/>
+            </a:pPr>
+            <a:endParaRPr kumimoji="0" lang="en-US" sz="2400" b="0" i="0" u="none" strike="noStrike" cap="none" normalizeH="0" baseline="0" smtClean="0">
+              <a:ln>
+                <a:noFill/>
+              </a:ln>
+              <a:solidFill>
+                <a:schemeClr val="tx1"/>
+              </a:solidFill>
+              <a:effectLst/>
+              <a:latin typeface="Arial" charset="0"/>
+              <a:ea typeface="ＭＳ Ｐゴシック" pitchFamily="1" charset="-128"/>
+            </a:endParaRPr>
+          </a:p>
+        </p:txBody>
+      </p:sp>
+      <p:sp>
+        <p:nvSpPr>
+          <p:cNvPr id="19" name="Rectangle 18"/>
+          <p:cNvSpPr/>
+          <p:nvPr/>
+        </p:nvSpPr>
+        <p:spPr bwMode="auto">
+          <a:xfrm>
+            <a:off x="5529934" y="4778837"/>
+            <a:ext cx="685808" cy="277576"/>
+          </a:xfrm>
+          <a:prstGeom prst="rect">
+            <a:avLst/>
+          </a:prstGeom>
+          <a:noFill/>
+          <a:ln w="28575" cap="flat" cmpd="sng" algn="ctr">
+            <a:solidFill>
+              <a:srgbClr val="00B050"/>
+            </a:solidFill>
+            <a:prstDash val="solid"/>
+            <a:round/>
+            <a:headEnd type="none" w="med" len="med"/>
+            <a:tailEnd type="none" w="med" len="med"/>
+          </a:ln>
+          <a:effectLst/>
+        </p:spPr>
+        <p:txBody>
+          <a:bodyPr vert="horz" wrap="square" lIns="91440" tIns="45720" rIns="91440" bIns="45720" numCol="1" rtlCol="0" anchor="t" anchorCtr="0" compatLnSpc="1">
+            <a:prstTxWarp prst="textNoShape">
+              <a:avLst/>
+            </a:prstTxWarp>
+          </a:bodyPr>
+          <a:lstStyle/>
+          <a:p>
+            <a:pPr marL="0" marR="0" indent="0" algn="l" defTabSz="914400" rtl="0" eaLnBrk="0" fontAlgn="base" latinLnBrk="0" hangingPunct="0">
+              <a:lnSpc>
+                <a:spcPct val="100000"/>
+              </a:lnSpc>
+              <a:spcBef>
+                <a:spcPct val="0"/>
+              </a:spcBef>
+              <a:spcAft>
+                <a:spcPct val="0"/>
+              </a:spcAft>
+              <a:buClrTx/>
+              <a:buSzTx/>
+              <a:buFontTx/>
+              <a:buNone/>
+              <a:tabLst/>
+            </a:pPr>
+            <a:endParaRPr kumimoji="0" lang="en-US" sz="2400" b="0" i="0" u="none" strike="noStrike" cap="none" normalizeH="0" baseline="0" smtClean="0">
+              <a:ln>
+                <a:noFill/>
+              </a:ln>
+              <a:solidFill>
+                <a:schemeClr val="tx1"/>
+              </a:solidFill>
+              <a:effectLst/>
+              <a:latin typeface="Arial" charset="0"/>
+              <a:ea typeface="ＭＳ Ｐゴシック" pitchFamily="1" charset="-128"/>
+            </a:endParaRPr>
+          </a:p>
+        </p:txBody>
+      </p:sp>
+      <p:sp>
+        <p:nvSpPr>
+          <p:cNvPr id="20" name="Rectangle 19"/>
+          <p:cNvSpPr/>
+          <p:nvPr/>
+        </p:nvSpPr>
+        <p:spPr bwMode="auto">
+          <a:xfrm>
+            <a:off x="4239943" y="4991114"/>
+            <a:ext cx="936214" cy="266686"/>
+          </a:xfrm>
+          <a:prstGeom prst="rect">
+            <a:avLst/>
+          </a:prstGeom>
+          <a:noFill/>
+          <a:ln w="28575" cap="flat" cmpd="sng" algn="ctr">
+            <a:solidFill>
+              <a:srgbClr val="00B050"/>
+            </a:solidFill>
+            <a:prstDash val="solid"/>
+            <a:round/>
+            <a:headEnd type="none" w="med" len="med"/>
+            <a:tailEnd type="none" w="med" len="med"/>
+          </a:ln>
+          <a:effectLst/>
+        </p:spPr>
+        <p:txBody>
+          <a:bodyPr vert="horz" wrap="square" lIns="91440" tIns="45720" rIns="91440" bIns="45720" numCol="1" rtlCol="0" anchor="t" anchorCtr="0" compatLnSpc="1">
+            <a:prstTxWarp prst="textNoShape">
+              <a:avLst/>
+            </a:prstTxWarp>
+          </a:bodyPr>
+          <a:lstStyle/>
+          <a:p>
+            <a:pPr marL="0" marR="0" indent="0" algn="l" defTabSz="914400" rtl="0" eaLnBrk="0" fontAlgn="base" latinLnBrk="0" hangingPunct="0">
+              <a:lnSpc>
+                <a:spcPct val="100000"/>
+              </a:lnSpc>
+              <a:spcBef>
+                <a:spcPct val="0"/>
+              </a:spcBef>
+              <a:spcAft>
+                <a:spcPct val="0"/>
+              </a:spcAft>
+              <a:buClrTx/>
+              <a:buSzTx/>
+              <a:buFontTx/>
+              <a:buNone/>
+              <a:tabLst/>
+            </a:pPr>
+            <a:endParaRPr kumimoji="0" lang="en-US" sz="2400" b="0" i="0" u="none" strike="noStrike" cap="none" normalizeH="0" baseline="0" smtClean="0">
+              <a:ln>
+                <a:noFill/>
+              </a:ln>
+              <a:solidFill>
+                <a:schemeClr val="tx1"/>
+              </a:solidFill>
+              <a:effectLst/>
+              <a:latin typeface="Arial" charset="0"/>
+              <a:ea typeface="ＭＳ Ｐゴシック" pitchFamily="1" charset="-128"/>
+            </a:endParaRPr>
+          </a:p>
+        </p:txBody>
+      </p:sp>
+      <p:sp>
+        <p:nvSpPr>
+          <p:cNvPr id="21" name="Rectangle 20"/>
+          <p:cNvSpPr/>
+          <p:nvPr/>
+        </p:nvSpPr>
+        <p:spPr bwMode="auto">
+          <a:xfrm>
+            <a:off x="3461615" y="4474042"/>
+            <a:ext cx="936214" cy="266686"/>
+          </a:xfrm>
+          <a:prstGeom prst="rect">
+            <a:avLst/>
+          </a:prstGeom>
+          <a:noFill/>
+          <a:ln w="28575" cap="flat" cmpd="sng" algn="ctr">
+            <a:solidFill>
+              <a:srgbClr val="00B050"/>
+            </a:solidFill>
+            <a:prstDash val="solid"/>
+            <a:round/>
+            <a:headEnd type="none" w="med" len="med"/>
+            <a:tailEnd type="none" w="med" len="med"/>
+          </a:ln>
+          <a:effectLst/>
+        </p:spPr>
+        <p:txBody>
+          <a:bodyPr vert="horz" wrap="square" lIns="91440" tIns="45720" rIns="91440" bIns="45720" numCol="1" rtlCol="0" anchor="t" anchorCtr="0" compatLnSpc="1">
+            <a:prstTxWarp prst="textNoShape">
+              <a:avLst/>
+            </a:prstTxWarp>
+          </a:bodyPr>
+          <a:lstStyle/>
+          <a:p>
+            <a:pPr marL="0" marR="0" indent="0" algn="l" defTabSz="914400" rtl="0" eaLnBrk="0" fontAlgn="base" latinLnBrk="0" hangingPunct="0">
+              <a:lnSpc>
+                <a:spcPct val="100000"/>
+              </a:lnSpc>
+              <a:spcBef>
+                <a:spcPct val="0"/>
+              </a:spcBef>
+              <a:spcAft>
+                <a:spcPct val="0"/>
+              </a:spcAft>
+              <a:buClrTx/>
+              <a:buSzTx/>
+              <a:buFontTx/>
+              <a:buNone/>
+              <a:tabLst/>
+            </a:pPr>
+            <a:endParaRPr kumimoji="0" lang="en-US" sz="2400" b="0" i="0" u="none" strike="noStrike" cap="none" normalizeH="0" baseline="0" smtClean="0">
+              <a:ln>
+                <a:noFill/>
+              </a:ln>
+              <a:solidFill>
+                <a:schemeClr val="tx1"/>
+              </a:solidFill>
+              <a:effectLst/>
+              <a:latin typeface="Arial" charset="0"/>
+              <a:ea typeface="ＭＳ Ｐゴシック" pitchFamily="1" charset="-128"/>
+            </a:endParaRPr>
+          </a:p>
+        </p:txBody>
+      </p:sp>
     </p:spTree>
   </p:cSld>
   <p:clrMapOvr>
     <a:masterClrMapping/>
   </p:clrMapOvr>
+  <p:timing>
+    <p:tnLst>
+      <p:par>
+        <p:cTn id="1" dur="indefinite" restart="never" nodeType="tmRoot"/>
+      </p:par>
+    </p:tnLst>
+  </p:timing>
 </p:sld>
 </file>
 
@@ -5695,7 +6985,7 @@
           <a:p>
             <a:r>
               <a:rPr lang="en-US" dirty="0" smtClean="0"/>
-              <a:t>Query representation</a:t>
+              <a:t>Input</a:t>
             </a:r>
             <a:endParaRPr lang="en-US" dirty="0"/>
           </a:p>
@@ -5718,17 +7008,57 @@
           <a:p>
             <a:r>
               <a:rPr lang="en-US" dirty="0" smtClean="0"/>
-              <a:t>Pattern node and stuff</a:t>
+              <a:t>Two XML files</a:t>
+            </a:r>
+          </a:p>
+          <a:p>
+            <a:endParaRPr lang="en-US" dirty="0" smtClean="0"/>
+          </a:p>
+          <a:p>
+            <a:r>
+              <a:rPr lang="en-US" dirty="0" smtClean="0"/>
+              <a:t>Support for tree patterns: marked nodes, optional nodes, wildcards and value predicates</a:t>
             </a:r>
             <a:endParaRPr lang="en-US" dirty="0"/>
           </a:p>
         </p:txBody>
       </p:sp>
+      <p:pic>
+        <p:nvPicPr>
+          <p:cNvPr id="6" name="Picture 5" descr="XML_pattern_tree.png"/>
+          <p:cNvPicPr>
+            <a:picLocks noChangeAspect="1"/>
+          </p:cNvPicPr>
+          <p:nvPr/>
+        </p:nvPicPr>
+        <p:blipFill>
+          <a:blip r:embed="rId2"/>
+          <a:stretch>
+            <a:fillRect/>
+          </a:stretch>
+        </p:blipFill>
+        <p:spPr>
+          <a:xfrm>
+            <a:off x="2344300" y="3326842"/>
+            <a:ext cx="4819908" cy="2518790"/>
+          </a:xfrm>
+          <a:prstGeom prst="rect">
+            <a:avLst/>
+          </a:prstGeom>
+        </p:spPr>
+      </p:pic>
     </p:spTree>
   </p:cSld>
   <p:clrMapOvr>
     <a:masterClrMapping/>
   </p:clrMapOvr>
+  <p:timing>
+    <p:tnLst>
+      <p:par>
+        <p:cTn id="1" dur="indefinite" restart="never" nodeType="tmRoot"/>
+      </p:par>
+    </p:tnLst>
+  </p:timing>
 </p:sld>
 </file>
 
@@ -5766,7 +7096,7 @@
           <a:p>
             <a:r>
               <a:rPr lang="en-US" dirty="0" smtClean="0"/>
-              <a:t>The evaluation algorithm</a:t>
+              <a:t>Query representation</a:t>
             </a:r>
             <a:endParaRPr lang="en-US" dirty="0"/>
           </a:p>
@@ -5787,15 +7117,50 @@
           <a:bodyPr/>
           <a:lstStyle/>
           <a:p>
+            <a:r>
+              <a:rPr lang="en-US" dirty="0" smtClean="0"/>
+              <a:t>Tree pattern SAX parser</a:t>
+            </a:r>
             <a:endParaRPr lang="en-US" dirty="0"/>
           </a:p>
         </p:txBody>
       </p:sp>
+      <p:pic>
+        <p:nvPicPr>
+          <p:cNvPr id="6" name="Picture 5" descr="patternnode.png"/>
+          <p:cNvPicPr>
+            <a:picLocks noChangeAspect="1"/>
+          </p:cNvPicPr>
+          <p:nvPr/>
+        </p:nvPicPr>
+        <p:blipFill>
+          <a:blip r:embed="rId2"/>
+          <a:stretch>
+            <a:fillRect/>
+          </a:stretch>
+        </p:blipFill>
+        <p:spPr>
+          <a:xfrm>
+            <a:off x="930377" y="2684574"/>
+            <a:ext cx="6115691" cy="1969067"/>
+          </a:xfrm>
+          <a:prstGeom prst="rect">
+            <a:avLst/>
+          </a:prstGeom>
+        </p:spPr>
+      </p:pic>
     </p:spTree>
   </p:cSld>
   <p:clrMapOvr>
     <a:masterClrMapping/>
   </p:clrMapOvr>
+  <p:timing>
+    <p:tnLst>
+      <p:par>
+        <p:cTn id="1" dur="indefinite" restart="never" nodeType="tmRoot"/>
+      </p:par>
+    </p:tnLst>
+  </p:timing>
 </p:sld>
 </file>
 
@@ -5833,36 +7198,47 @@
           <a:p>
             <a:r>
               <a:rPr lang="en-US" dirty="0" smtClean="0"/>
-              <a:t>Match extraction</a:t>
+              <a:t>The evaluation algorithm</a:t>
             </a:r>
             <a:endParaRPr lang="en-US" dirty="0"/>
           </a:p>
         </p:txBody>
       </p:sp>
-      <p:sp>
-        <p:nvSpPr>
-          <p:cNvPr id="3" name="Content Placeholder 2"/>
-          <p:cNvSpPr>
-            <a:spLocks noGrp="1"/>
-          </p:cNvSpPr>
+      <p:pic>
+        <p:nvPicPr>
+          <p:cNvPr id="4" name="Content Placeholder 3" descr="uml.png"/>
+          <p:cNvPicPr>
+            <a:picLocks noGrp="1" noChangeAspect="1"/>
+          </p:cNvPicPr>
           <p:nvPr>
             <p:ph idx="1"/>
           </p:nvPr>
-        </p:nvSpPr>
-        <p:spPr/>
-        <p:txBody>
-          <a:bodyPr/>
-          <a:lstStyle/>
-          <a:p>
-            <a:endParaRPr lang="en-US" dirty="0"/>
-          </a:p>
-        </p:txBody>
-      </p:sp>
+        </p:nvPicPr>
+        <p:blipFill>
+          <a:blip r:embed="rId2"/>
+          <a:stretch>
+            <a:fillRect/>
+          </a:stretch>
+        </p:blipFill>
+        <p:spPr>
+          <a:xfrm>
+            <a:off x="0" y="2374233"/>
+            <a:ext cx="9270722" cy="2246760"/>
+          </a:xfrm>
+        </p:spPr>
+      </p:pic>
     </p:spTree>
   </p:cSld>
   <p:clrMapOvr>
     <a:masterClrMapping/>
   </p:clrMapOvr>
+  <p:timing>
+    <p:tnLst>
+      <p:par>
+        <p:cTn id="1" dur="indefinite" restart="never" nodeType="tmRoot"/>
+      </p:par>
+    </p:tnLst>
+  </p:timing>
 </p:sld>
 </file>
 
@@ -5900,14 +7276,7 @@
           <a:p>
             <a:r>
               <a:rPr lang="en-US" dirty="0" smtClean="0"/>
-              <a:t>Extensions</a:t>
-            </a:r>
-            <a:br>
-              <a:rPr lang="en-US" dirty="0" smtClean="0"/>
-            </a:br>
-            <a:r>
-              <a:rPr lang="en-US" dirty="0" smtClean="0"/>
-              <a:t>Wildcards</a:t>
+              <a:t>The evaluation algorithm</a:t>
             </a:r>
             <a:endParaRPr lang="en-US" dirty="0"/>
           </a:p>
@@ -5915,7 +7284,7 @@
       </p:sp>
       <p:sp>
         <p:nvSpPr>
-          <p:cNvPr id="3" name="Content Placeholder 2"/>
+          <p:cNvPr id="5" name="Content Placeholder 4"/>
           <p:cNvSpPr>
             <a:spLocks noGrp="1"/>
           </p:cNvSpPr>
@@ -5928,7 +7297,78 @@
           <a:bodyPr/>
           <a:lstStyle/>
           <a:p>
-            <a:endParaRPr lang="en-US" dirty="0"/>
+            <a:r>
+              <a:rPr lang="en-US" dirty="0" smtClean="0"/>
+              <a:t>Implemented using a SAX parser</a:t>
+            </a:r>
+          </a:p>
+          <a:p>
+            <a:pPr lvl="2"/>
+            <a:r>
+              <a:rPr lang="en-US" dirty="0" err="1" smtClean="0"/>
+              <a:t>startDocument</a:t>
+            </a:r>
+            <a:r>
+              <a:rPr lang="en-US" dirty="0" smtClean="0"/>
+              <a:t>(), </a:t>
+            </a:r>
+            <a:r>
+              <a:rPr lang="en-US" dirty="0" err="1" smtClean="0"/>
+              <a:t>endDocument</a:t>
+            </a:r>
+            <a:r>
+              <a:rPr lang="en-US" dirty="0" smtClean="0"/>
+              <a:t>()</a:t>
+            </a:r>
+          </a:p>
+          <a:p>
+            <a:pPr lvl="2"/>
+            <a:r>
+              <a:rPr lang="en-US" dirty="0" err="1" smtClean="0"/>
+              <a:t>startElement</a:t>
+            </a:r>
+            <a:r>
+              <a:rPr lang="en-US" dirty="0" smtClean="0"/>
+              <a:t>(), </a:t>
+            </a:r>
+            <a:r>
+              <a:rPr lang="en-US" dirty="0" err="1" smtClean="0"/>
+              <a:t>endElement</a:t>
+            </a:r>
+            <a:r>
+              <a:rPr lang="en-US" dirty="0" smtClean="0"/>
+              <a:t>(), characters()</a:t>
+            </a:r>
+          </a:p>
+          <a:p>
+            <a:pPr lvl="2">
+              <a:buNone/>
+            </a:pPr>
+            <a:endParaRPr lang="en-US" dirty="0" smtClean="0"/>
+          </a:p>
+          <a:p>
+            <a:r>
+              <a:rPr lang="en-US" dirty="0" smtClean="0"/>
+              <a:t>Tags are manipulated through a stack</a:t>
+            </a:r>
+          </a:p>
+          <a:p>
+            <a:endParaRPr lang="en-US" dirty="0" smtClean="0"/>
+          </a:p>
+          <a:p>
+            <a:r>
+              <a:rPr lang="en-US" dirty="0" smtClean="0"/>
+              <a:t>Checks for valid matches</a:t>
+            </a:r>
+          </a:p>
+          <a:p>
+            <a:endParaRPr lang="en-US" dirty="0" smtClean="0"/>
+          </a:p>
+          <a:p>
+            <a:r>
+              <a:rPr lang="en-US" dirty="0" smtClean="0"/>
+              <a:t>Ancestor relations</a:t>
+            </a:r>
           </a:p>
         </p:txBody>
       </p:sp>
@@ -5937,6 +7377,13 @@
   <p:clrMapOvr>
     <a:masterClrMapping/>
   </p:clrMapOvr>
+  <p:timing>
+    <p:tnLst>
+      <p:par>
+        <p:cTn id="1" dur="indefinite" restart="never" nodeType="tmRoot"/>
+      </p:par>
+    </p:tnLst>
+  </p:timing>
 </p:sld>
 </file>
 
@@ -5957,6 +7404,31 @@
           <a:chExt cx="0" cy="0"/>
         </a:xfrm>
       </p:grpSpPr>
+      <p:pic>
+        <p:nvPicPr>
+          <p:cNvPr id="6" name="Picture 5" descr="tree_example.png"/>
+          <p:cNvPicPr>
+            <a:picLocks noChangeAspect="1"/>
+          </p:cNvPicPr>
+          <p:nvPr/>
+        </p:nvPicPr>
+        <p:blipFill>
+          <a:blip r:embed="rId2"/>
+          <a:srcRect b="10857"/>
+          <a:stretch>
+            <a:fillRect/>
+          </a:stretch>
+        </p:blipFill>
+        <p:spPr>
+          <a:xfrm>
+            <a:off x="1337361" y="2994133"/>
+            <a:ext cx="6156506" cy="2949467"/>
+          </a:xfrm>
+          <a:prstGeom prst="rect">
+            <a:avLst/>
+          </a:prstGeom>
+        </p:spPr>
+      </p:pic>
       <p:sp>
         <p:nvSpPr>
           <p:cNvPr id="2" name="Title 1"/>
@@ -5974,14 +7446,7 @@
           <a:p>
             <a:r>
               <a:rPr lang="en-US" dirty="0" smtClean="0"/>
-              <a:t>Extensions</a:t>
-            </a:r>
-            <a:br>
-              <a:rPr lang="en-US" dirty="0" smtClean="0"/>
-            </a:br>
-            <a:r>
-              <a:rPr lang="en-US" dirty="0" smtClean="0"/>
-              <a:t>Optional nodes</a:t>
+              <a:t>Match extraction</a:t>
             </a:r>
             <a:endParaRPr lang="en-US" dirty="0"/>
           </a:p>
@@ -6002,7 +7467,601 @@
           <a:bodyPr/>
           <a:lstStyle/>
           <a:p>
+            <a:r>
+              <a:rPr lang="en-US" dirty="0" smtClean="0"/>
+              <a:t>After the run, the results are stored in the root </a:t>
+            </a:r>
+            <a:r>
+              <a:rPr lang="en-US" dirty="0" err="1" smtClean="0"/>
+              <a:t>TPEStack</a:t>
+            </a:r>
+            <a:endParaRPr lang="en-US" dirty="0" smtClean="0"/>
+          </a:p>
+          <a:p>
+            <a:endParaRPr lang="en-US" dirty="0" smtClean="0"/>
+          </a:p>
+          <a:p>
+            <a:r>
+              <a:rPr lang="en-US" dirty="0" smtClean="0"/>
+              <a:t>Results are extracted recursively, in a depth-first manner</a:t>
+            </a:r>
             <a:endParaRPr lang="en-US" dirty="0"/>
+          </a:p>
+        </p:txBody>
+      </p:sp>
+      <p:sp>
+        <p:nvSpPr>
+          <p:cNvPr id="9" name="Rectangle 8"/>
+          <p:cNvSpPr/>
+          <p:nvPr/>
+        </p:nvSpPr>
+        <p:spPr bwMode="auto">
+          <a:xfrm>
+            <a:off x="5377571" y="3679386"/>
+            <a:ext cx="859972" cy="321129"/>
+          </a:xfrm>
+          <a:prstGeom prst="rect">
+            <a:avLst/>
+          </a:prstGeom>
+          <a:noFill/>
+          <a:ln w="28575" cap="flat" cmpd="sng" algn="ctr">
+            <a:solidFill>
+              <a:srgbClr val="FF0000"/>
+            </a:solidFill>
+            <a:prstDash val="sysDot"/>
+            <a:round/>
+            <a:headEnd type="none" w="med" len="med"/>
+            <a:tailEnd type="none" w="med" len="med"/>
+          </a:ln>
+          <a:effectLst/>
+        </p:spPr>
+        <p:txBody>
+          <a:bodyPr vert="horz" wrap="square" lIns="91440" tIns="45720" rIns="91440" bIns="45720" numCol="1" rtlCol="0" anchor="t" anchorCtr="0" compatLnSpc="1">
+            <a:prstTxWarp prst="textNoShape">
+              <a:avLst/>
+            </a:prstTxWarp>
+          </a:bodyPr>
+          <a:lstStyle/>
+          <a:p>
+            <a:pPr marL="0" marR="0" indent="0" algn="l" defTabSz="914400" rtl="0" eaLnBrk="0" fontAlgn="base" latinLnBrk="0" hangingPunct="0">
+              <a:lnSpc>
+                <a:spcPct val="100000"/>
+              </a:lnSpc>
+              <a:spcBef>
+                <a:spcPct val="0"/>
+              </a:spcBef>
+              <a:spcAft>
+                <a:spcPct val="0"/>
+              </a:spcAft>
+              <a:buClrTx/>
+              <a:buSzTx/>
+              <a:buFontTx/>
+              <a:buNone/>
+              <a:tabLst/>
+            </a:pPr>
+            <a:endParaRPr kumimoji="0" lang="en-US" sz="2400" b="0" i="0" u="none" strike="noStrike" cap="none" normalizeH="0" baseline="0" smtClean="0">
+              <a:ln>
+                <a:noFill/>
+              </a:ln>
+              <a:solidFill>
+                <a:schemeClr val="tx1"/>
+              </a:solidFill>
+              <a:effectLst/>
+              <a:latin typeface="Arial" charset="0"/>
+              <a:ea typeface="ＭＳ Ｐゴシック" pitchFamily="1" charset="-128"/>
+            </a:endParaRPr>
+          </a:p>
+        </p:txBody>
+      </p:sp>
+      <p:sp>
+        <p:nvSpPr>
+          <p:cNvPr id="12" name="Rectangle 11"/>
+          <p:cNvSpPr/>
+          <p:nvPr/>
+        </p:nvSpPr>
+        <p:spPr bwMode="auto">
+          <a:xfrm>
+            <a:off x="6520659" y="4746182"/>
+            <a:ext cx="587829" cy="288471"/>
+          </a:xfrm>
+          <a:prstGeom prst="rect">
+            <a:avLst/>
+          </a:prstGeom>
+          <a:noFill/>
+          <a:ln w="28575" cap="flat" cmpd="sng" algn="ctr">
+            <a:solidFill>
+              <a:srgbClr val="FF0000"/>
+            </a:solidFill>
+            <a:prstDash val="solid"/>
+            <a:round/>
+            <a:headEnd type="none" w="med" len="med"/>
+            <a:tailEnd type="none" w="med" len="med"/>
+          </a:ln>
+          <a:effectLst/>
+        </p:spPr>
+        <p:txBody>
+          <a:bodyPr vert="horz" wrap="square" lIns="91440" tIns="45720" rIns="91440" bIns="45720" numCol="1" rtlCol="0" anchor="t" anchorCtr="0" compatLnSpc="1">
+            <a:prstTxWarp prst="textNoShape">
+              <a:avLst/>
+            </a:prstTxWarp>
+          </a:bodyPr>
+          <a:lstStyle/>
+          <a:p>
+            <a:pPr marL="0" marR="0" indent="0" algn="l" defTabSz="914400" rtl="0" eaLnBrk="0" fontAlgn="base" latinLnBrk="0" hangingPunct="0">
+              <a:lnSpc>
+                <a:spcPct val="100000"/>
+              </a:lnSpc>
+              <a:spcBef>
+                <a:spcPct val="0"/>
+              </a:spcBef>
+              <a:spcAft>
+                <a:spcPct val="0"/>
+              </a:spcAft>
+              <a:buClrTx/>
+              <a:buSzTx/>
+              <a:buFontTx/>
+              <a:buNone/>
+              <a:tabLst/>
+            </a:pPr>
+            <a:endParaRPr kumimoji="0" lang="en-US" sz="2400" b="0" i="0" u="none" strike="noStrike" cap="none" normalizeH="0" baseline="0" smtClean="0">
+              <a:ln>
+                <a:noFill/>
+              </a:ln>
+              <a:solidFill>
+                <a:schemeClr val="tx1"/>
+              </a:solidFill>
+              <a:effectLst/>
+              <a:latin typeface="Arial" charset="0"/>
+              <a:ea typeface="ＭＳ Ｐゴシック" pitchFamily="1" charset="-128"/>
+            </a:endParaRPr>
+          </a:p>
+        </p:txBody>
+      </p:sp>
+      <p:sp>
+        <p:nvSpPr>
+          <p:cNvPr id="13" name="Rectangle 12"/>
+          <p:cNvSpPr/>
+          <p:nvPr/>
+        </p:nvSpPr>
+        <p:spPr bwMode="auto">
+          <a:xfrm>
+            <a:off x="6591414" y="4800608"/>
+            <a:ext cx="587829" cy="288471"/>
+          </a:xfrm>
+          <a:prstGeom prst="rect">
+            <a:avLst/>
+          </a:prstGeom>
+          <a:noFill/>
+          <a:ln w="28575" cap="flat" cmpd="sng" algn="ctr">
+            <a:solidFill>
+              <a:srgbClr val="FF0000"/>
+            </a:solidFill>
+            <a:prstDash val="solid"/>
+            <a:round/>
+            <a:headEnd type="none" w="med" len="med"/>
+            <a:tailEnd type="none" w="med" len="med"/>
+          </a:ln>
+          <a:effectLst/>
+        </p:spPr>
+        <p:txBody>
+          <a:bodyPr vert="horz" wrap="square" lIns="91440" tIns="45720" rIns="91440" bIns="45720" numCol="1" rtlCol="0" anchor="t" anchorCtr="0" compatLnSpc="1">
+            <a:prstTxWarp prst="textNoShape">
+              <a:avLst/>
+            </a:prstTxWarp>
+          </a:bodyPr>
+          <a:lstStyle/>
+          <a:p>
+            <a:pPr marL="0" marR="0" indent="0" algn="l" defTabSz="914400" rtl="0" eaLnBrk="0" fontAlgn="base" latinLnBrk="0" hangingPunct="0">
+              <a:lnSpc>
+                <a:spcPct val="100000"/>
+              </a:lnSpc>
+              <a:spcBef>
+                <a:spcPct val="0"/>
+              </a:spcBef>
+              <a:spcAft>
+                <a:spcPct val="0"/>
+              </a:spcAft>
+              <a:buClrTx/>
+              <a:buSzTx/>
+              <a:buFontTx/>
+              <a:buNone/>
+              <a:tabLst/>
+            </a:pPr>
+            <a:endParaRPr kumimoji="0" lang="en-US" sz="2400" b="0" i="0" u="none" strike="noStrike" cap="none" normalizeH="0" baseline="0" smtClean="0">
+              <a:ln>
+                <a:noFill/>
+              </a:ln>
+              <a:solidFill>
+                <a:schemeClr val="tx1"/>
+              </a:solidFill>
+              <a:effectLst/>
+              <a:latin typeface="Arial" charset="0"/>
+              <a:ea typeface="ＭＳ Ｐゴシック" pitchFamily="1" charset="-128"/>
+            </a:endParaRPr>
+          </a:p>
+        </p:txBody>
+      </p:sp>
+      <p:sp>
+        <p:nvSpPr>
+          <p:cNvPr id="14" name="Rectangle 13"/>
+          <p:cNvSpPr/>
+          <p:nvPr/>
+        </p:nvSpPr>
+        <p:spPr bwMode="auto">
+          <a:xfrm>
+            <a:off x="4615648" y="4207338"/>
+            <a:ext cx="740152" cy="299361"/>
+          </a:xfrm>
+          <a:prstGeom prst="rect">
+            <a:avLst/>
+          </a:prstGeom>
+          <a:noFill/>
+          <a:ln w="28575" cap="flat" cmpd="sng" algn="ctr">
+            <a:solidFill>
+              <a:srgbClr val="FF0000"/>
+            </a:solidFill>
+            <a:prstDash val="solid"/>
+            <a:round/>
+            <a:headEnd type="none" w="med" len="med"/>
+            <a:tailEnd type="none" w="med" len="med"/>
+          </a:ln>
+          <a:effectLst/>
+        </p:spPr>
+        <p:txBody>
+          <a:bodyPr vert="horz" wrap="square" lIns="91440" tIns="45720" rIns="91440" bIns="45720" numCol="1" rtlCol="0" anchor="t" anchorCtr="0" compatLnSpc="1">
+            <a:prstTxWarp prst="textNoShape">
+              <a:avLst/>
+            </a:prstTxWarp>
+          </a:bodyPr>
+          <a:lstStyle/>
+          <a:p>
+            <a:pPr marL="0" marR="0" indent="0" algn="l" defTabSz="914400" rtl="0" eaLnBrk="0" fontAlgn="base" latinLnBrk="0" hangingPunct="0">
+              <a:lnSpc>
+                <a:spcPct val="100000"/>
+              </a:lnSpc>
+              <a:spcBef>
+                <a:spcPct val="0"/>
+              </a:spcBef>
+              <a:spcAft>
+                <a:spcPct val="0"/>
+              </a:spcAft>
+              <a:buClrTx/>
+              <a:buSzTx/>
+              <a:buFontTx/>
+              <a:buNone/>
+              <a:tabLst/>
+            </a:pPr>
+            <a:endParaRPr kumimoji="0" lang="en-US" sz="2400" b="0" i="0" u="none" strike="noStrike" cap="none" normalizeH="0" baseline="0" smtClean="0">
+              <a:ln>
+                <a:noFill/>
+              </a:ln>
+              <a:solidFill>
+                <a:schemeClr val="tx1"/>
+              </a:solidFill>
+              <a:effectLst/>
+              <a:latin typeface="Arial" charset="0"/>
+              <a:ea typeface="ＭＳ Ｐゴシック" pitchFamily="1" charset="-128"/>
+            </a:endParaRPr>
+          </a:p>
+        </p:txBody>
+      </p:sp>
+      <p:sp>
+        <p:nvSpPr>
+          <p:cNvPr id="15" name="Rectangle 14"/>
+          <p:cNvSpPr/>
+          <p:nvPr/>
+        </p:nvSpPr>
+        <p:spPr bwMode="auto">
+          <a:xfrm>
+            <a:off x="5437442" y="4229107"/>
+            <a:ext cx="702129" cy="277593"/>
+          </a:xfrm>
+          <a:prstGeom prst="rect">
+            <a:avLst/>
+          </a:prstGeom>
+          <a:noFill/>
+          <a:ln w="28575" cap="flat" cmpd="sng" algn="ctr">
+            <a:solidFill>
+              <a:srgbClr val="FF0000"/>
+            </a:solidFill>
+            <a:prstDash val="solid"/>
+            <a:round/>
+            <a:headEnd type="none" w="med" len="med"/>
+            <a:tailEnd type="none" w="med" len="med"/>
+          </a:ln>
+          <a:effectLst/>
+        </p:spPr>
+        <p:txBody>
+          <a:bodyPr vert="horz" wrap="square" lIns="91440" tIns="45720" rIns="91440" bIns="45720" numCol="1" rtlCol="0" anchor="t" anchorCtr="0" compatLnSpc="1">
+            <a:prstTxWarp prst="textNoShape">
+              <a:avLst/>
+            </a:prstTxWarp>
+          </a:bodyPr>
+          <a:lstStyle/>
+          <a:p>
+            <a:pPr marL="0" marR="0" indent="0" algn="l" defTabSz="914400" rtl="0" eaLnBrk="0" fontAlgn="base" latinLnBrk="0" hangingPunct="0">
+              <a:lnSpc>
+                <a:spcPct val="100000"/>
+              </a:lnSpc>
+              <a:spcBef>
+                <a:spcPct val="0"/>
+              </a:spcBef>
+              <a:spcAft>
+                <a:spcPct val="0"/>
+              </a:spcAft>
+              <a:buClrTx/>
+              <a:buSzTx/>
+              <a:buFontTx/>
+              <a:buNone/>
+              <a:tabLst/>
+            </a:pPr>
+            <a:endParaRPr kumimoji="0" lang="en-US" sz="2400" b="0" i="0" u="none" strike="noStrike" cap="none" normalizeH="0" baseline="0" smtClean="0">
+              <a:ln>
+                <a:noFill/>
+              </a:ln>
+              <a:solidFill>
+                <a:schemeClr val="tx1"/>
+              </a:solidFill>
+              <a:effectLst/>
+              <a:latin typeface="Arial" charset="0"/>
+              <a:ea typeface="ＭＳ Ｐゴシック" pitchFamily="1" charset="-128"/>
+            </a:endParaRPr>
+          </a:p>
+        </p:txBody>
+      </p:sp>
+      <p:sp>
+        <p:nvSpPr>
+          <p:cNvPr id="18" name="Rectangle 17"/>
+          <p:cNvSpPr/>
+          <p:nvPr/>
+        </p:nvSpPr>
+        <p:spPr bwMode="auto">
+          <a:xfrm>
+            <a:off x="6504235" y="5263268"/>
+            <a:ext cx="685808" cy="277576"/>
+          </a:xfrm>
+          <a:prstGeom prst="rect">
+            <a:avLst/>
+          </a:prstGeom>
+          <a:noFill/>
+          <a:ln w="28575" cap="flat" cmpd="sng" algn="ctr">
+            <a:solidFill>
+              <a:srgbClr val="00B050"/>
+            </a:solidFill>
+            <a:prstDash val="solid"/>
+            <a:round/>
+            <a:headEnd type="none" w="med" len="med"/>
+            <a:tailEnd type="none" w="med" len="med"/>
+          </a:ln>
+          <a:effectLst/>
+        </p:spPr>
+        <p:txBody>
+          <a:bodyPr vert="horz" wrap="square" lIns="91440" tIns="45720" rIns="91440" bIns="45720" numCol="1" rtlCol="0" anchor="t" anchorCtr="0" compatLnSpc="1">
+            <a:prstTxWarp prst="textNoShape">
+              <a:avLst/>
+            </a:prstTxWarp>
+          </a:bodyPr>
+          <a:lstStyle/>
+          <a:p>
+            <a:pPr marL="0" marR="0" indent="0" algn="l" defTabSz="914400" rtl="0" eaLnBrk="0" fontAlgn="base" latinLnBrk="0" hangingPunct="0">
+              <a:lnSpc>
+                <a:spcPct val="100000"/>
+              </a:lnSpc>
+              <a:spcBef>
+                <a:spcPct val="0"/>
+              </a:spcBef>
+              <a:spcAft>
+                <a:spcPct val="0"/>
+              </a:spcAft>
+              <a:buClrTx/>
+              <a:buSzTx/>
+              <a:buFontTx/>
+              <a:buNone/>
+              <a:tabLst/>
+            </a:pPr>
+            <a:endParaRPr kumimoji="0" lang="en-US" sz="2400" b="0" i="0" u="none" strike="noStrike" cap="none" normalizeH="0" baseline="0" smtClean="0">
+              <a:ln>
+                <a:noFill/>
+              </a:ln>
+              <a:solidFill>
+                <a:schemeClr val="tx1"/>
+              </a:solidFill>
+              <a:effectLst/>
+              <a:latin typeface="Arial" charset="0"/>
+              <a:ea typeface="ＭＳ Ｐゴシック" pitchFamily="1" charset="-128"/>
+            </a:endParaRPr>
+          </a:p>
+        </p:txBody>
+      </p:sp>
+      <p:sp>
+        <p:nvSpPr>
+          <p:cNvPr id="19" name="Rectangle 18"/>
+          <p:cNvSpPr/>
+          <p:nvPr/>
+        </p:nvSpPr>
+        <p:spPr bwMode="auto">
+          <a:xfrm>
+            <a:off x="6574990" y="5317694"/>
+            <a:ext cx="685808" cy="277576"/>
+          </a:xfrm>
+          <a:prstGeom prst="rect">
+            <a:avLst/>
+          </a:prstGeom>
+          <a:noFill/>
+          <a:ln w="28575" cap="flat" cmpd="sng" algn="ctr">
+            <a:solidFill>
+              <a:srgbClr val="00B050"/>
+            </a:solidFill>
+            <a:prstDash val="solid"/>
+            <a:round/>
+            <a:headEnd type="none" w="med" len="med"/>
+            <a:tailEnd type="none" w="med" len="med"/>
+          </a:ln>
+          <a:effectLst/>
+        </p:spPr>
+        <p:txBody>
+          <a:bodyPr vert="horz" wrap="square" lIns="91440" tIns="45720" rIns="91440" bIns="45720" numCol="1" rtlCol="0" anchor="t" anchorCtr="0" compatLnSpc="1">
+            <a:prstTxWarp prst="textNoShape">
+              <a:avLst/>
+            </a:prstTxWarp>
+          </a:bodyPr>
+          <a:lstStyle/>
+          <a:p>
+            <a:pPr marL="0" marR="0" indent="0" algn="l" defTabSz="914400" rtl="0" eaLnBrk="0" fontAlgn="base" latinLnBrk="0" hangingPunct="0">
+              <a:lnSpc>
+                <a:spcPct val="100000"/>
+              </a:lnSpc>
+              <a:spcBef>
+                <a:spcPct val="0"/>
+              </a:spcBef>
+              <a:spcAft>
+                <a:spcPct val="0"/>
+              </a:spcAft>
+              <a:buClrTx/>
+              <a:buSzTx/>
+              <a:buFontTx/>
+              <a:buNone/>
+              <a:tabLst/>
+            </a:pPr>
+            <a:endParaRPr kumimoji="0" lang="en-US" sz="2400" b="0" i="0" u="none" strike="noStrike" cap="none" normalizeH="0" baseline="0" smtClean="0">
+              <a:ln>
+                <a:noFill/>
+              </a:ln>
+              <a:solidFill>
+                <a:schemeClr val="tx1"/>
+              </a:solidFill>
+              <a:effectLst/>
+              <a:latin typeface="Arial" charset="0"/>
+              <a:ea typeface="ＭＳ Ｐゴシック" pitchFamily="1" charset="-128"/>
+            </a:endParaRPr>
+          </a:p>
+        </p:txBody>
+      </p:sp>
+      <p:sp>
+        <p:nvSpPr>
+          <p:cNvPr id="20" name="Rectangle 19"/>
+          <p:cNvSpPr/>
+          <p:nvPr/>
+        </p:nvSpPr>
+        <p:spPr bwMode="auto">
+          <a:xfrm>
+            <a:off x="5284999" y="5529971"/>
+            <a:ext cx="936214" cy="266686"/>
+          </a:xfrm>
+          <a:prstGeom prst="rect">
+            <a:avLst/>
+          </a:prstGeom>
+          <a:noFill/>
+          <a:ln w="28575" cap="flat" cmpd="sng" algn="ctr">
+            <a:solidFill>
+              <a:srgbClr val="00B050"/>
+            </a:solidFill>
+            <a:prstDash val="solid"/>
+            <a:round/>
+            <a:headEnd type="none" w="med" len="med"/>
+            <a:tailEnd type="none" w="med" len="med"/>
+          </a:ln>
+          <a:effectLst/>
+        </p:spPr>
+        <p:txBody>
+          <a:bodyPr vert="horz" wrap="square" lIns="91440" tIns="45720" rIns="91440" bIns="45720" numCol="1" rtlCol="0" anchor="t" anchorCtr="0" compatLnSpc="1">
+            <a:prstTxWarp prst="textNoShape">
+              <a:avLst/>
+            </a:prstTxWarp>
+          </a:bodyPr>
+          <a:lstStyle/>
+          <a:p>
+            <a:pPr marL="0" marR="0" indent="0" algn="l" defTabSz="914400" rtl="0" eaLnBrk="0" fontAlgn="base" latinLnBrk="0" hangingPunct="0">
+              <a:lnSpc>
+                <a:spcPct val="100000"/>
+              </a:lnSpc>
+              <a:spcBef>
+                <a:spcPct val="0"/>
+              </a:spcBef>
+              <a:spcAft>
+                <a:spcPct val="0"/>
+              </a:spcAft>
+              <a:buClrTx/>
+              <a:buSzTx/>
+              <a:buFontTx/>
+              <a:buNone/>
+              <a:tabLst/>
+            </a:pPr>
+            <a:endParaRPr kumimoji="0" lang="en-US" sz="2400" b="0" i="0" u="none" strike="noStrike" cap="none" normalizeH="0" baseline="0" smtClean="0">
+              <a:ln>
+                <a:noFill/>
+              </a:ln>
+              <a:solidFill>
+                <a:schemeClr val="tx1"/>
+              </a:solidFill>
+              <a:effectLst/>
+              <a:latin typeface="Arial" charset="0"/>
+              <a:ea typeface="ＭＳ Ｐゴシック" pitchFamily="1" charset="-128"/>
+            </a:endParaRPr>
+          </a:p>
+        </p:txBody>
+      </p:sp>
+      <p:sp>
+        <p:nvSpPr>
+          <p:cNvPr id="21" name="Rectangle 20"/>
+          <p:cNvSpPr/>
+          <p:nvPr/>
+        </p:nvSpPr>
+        <p:spPr bwMode="auto">
+          <a:xfrm>
+            <a:off x="4506671" y="5012899"/>
+            <a:ext cx="936214" cy="266686"/>
+          </a:xfrm>
+          <a:prstGeom prst="rect">
+            <a:avLst/>
+          </a:prstGeom>
+          <a:noFill/>
+          <a:ln w="28575" cap="flat" cmpd="sng" algn="ctr">
+            <a:solidFill>
+              <a:srgbClr val="00B050"/>
+            </a:solidFill>
+            <a:prstDash val="solid"/>
+            <a:round/>
+            <a:headEnd type="none" w="med" len="med"/>
+            <a:tailEnd type="none" w="med" len="med"/>
+          </a:ln>
+          <a:effectLst/>
+        </p:spPr>
+        <p:txBody>
+          <a:bodyPr vert="horz" wrap="square" lIns="91440" tIns="45720" rIns="91440" bIns="45720" numCol="1" rtlCol="0" anchor="t" anchorCtr="0" compatLnSpc="1">
+            <a:prstTxWarp prst="textNoShape">
+              <a:avLst/>
+            </a:prstTxWarp>
+          </a:bodyPr>
+          <a:lstStyle/>
+          <a:p>
+            <a:pPr marL="0" marR="0" indent="0" algn="l" defTabSz="914400" rtl="0" eaLnBrk="0" fontAlgn="base" latinLnBrk="0" hangingPunct="0">
+              <a:lnSpc>
+                <a:spcPct val="100000"/>
+              </a:lnSpc>
+              <a:spcBef>
+                <a:spcPct val="0"/>
+              </a:spcBef>
+              <a:spcAft>
+                <a:spcPct val="0"/>
+              </a:spcAft>
+              <a:buClrTx/>
+              <a:buSzTx/>
+              <a:buFontTx/>
+              <a:buNone/>
+              <a:tabLst/>
+            </a:pPr>
+            <a:endParaRPr kumimoji="0" lang="en-US" sz="2400" b="0" i="0" u="none" strike="noStrike" cap="none" normalizeH="0" baseline="0" smtClean="0">
+              <a:ln>
+                <a:noFill/>
+              </a:ln>
+              <a:solidFill>
+                <a:schemeClr val="tx1"/>
+              </a:solidFill>
+              <a:effectLst/>
+              <a:latin typeface="Arial" charset="0"/>
+              <a:ea typeface="ＭＳ Ｐゴシック" pitchFamily="1" charset="-128"/>
+            </a:endParaRPr>
           </a:p>
         </p:txBody>
       </p:sp>
@@ -6011,6 +8070,13 @@
   <p:clrMapOvr>
     <a:masterClrMapping/>
   </p:clrMapOvr>
+  <p:timing>
+    <p:tnLst>
+      <p:par>
+        <p:cTn id="1" dur="indefinite" restart="never" nodeType="tmRoot"/>
+      </p:par>
+    </p:tnLst>
+  </p:timing>
 </p:sld>
 </file>
 
